--- a/manuscript/manuscript_figures/WGCNA_mainfig.pptx
+++ b/manuscript/manuscript_figures/WGCNA_mainfig.pptx
@@ -5,10 +5,11 @@
     <p:sldMasterId id="2147483672" r:id="rId1"/>
   </p:sldMasterIdLst>
   <p:notesMasterIdLst>
-    <p:notesMasterId r:id="rId3"/>
+    <p:notesMasterId r:id="rId4"/>
   </p:notesMasterIdLst>
   <p:sldIdLst>
     <p:sldId id="256" r:id="rId2"/>
+    <p:sldId id="257" r:id="rId3"/>
   </p:sldIdLst>
   <p:sldSz cx="13716000" cy="10972800"/>
   <p:notesSz cx="6858000" cy="9144000"/>
@@ -107,6 +108,11 @@
       </a:defRPr>
     </a:lvl9pPr>
   </p:defaultTextStyle>
+  <p:extLst>
+    <p:ext uri="{EFAFB233-063F-42B5-8137-9DF3F51BA10A}">
+      <p15:sldGuideLst xmlns:p15="http://schemas.microsoft.com/office/powerpoint/2012/main"/>
+    </p:ext>
+  </p:extLst>
 </p:presentation>
 </file>
 
@@ -114,13 +120,13 @@
 <pc:chgInfo xmlns:a="http://schemas.openxmlformats.org/drawingml/2006/main" xmlns:r="http://schemas.openxmlformats.org/officeDocument/2006/relationships" xmlns:ac="http://schemas.microsoft.com/office/drawing/2013/main/command" xmlns:pc="http://schemas.microsoft.com/office/powerpoint/2013/main/command">
   <pc:docChgLst>
     <pc:chgData name="Tyler Milewski" userId="d8a66fee8314b92f" providerId="LiveId" clId="{800E18A4-FDF0-4A45-B5EE-99D8C4DE58A7}"/>
-    <pc:docChg chg="undo custSel modSld">
-      <pc:chgData name="Tyler Milewski" userId="d8a66fee8314b92f" providerId="LiveId" clId="{800E18A4-FDF0-4A45-B5EE-99D8C4DE58A7}" dt="2024-01-03T18:42:11.848" v="726" actId="1076"/>
+    <pc:docChg chg="undo custSel addSld modSld">
+      <pc:chgData name="Tyler Milewski" userId="d8a66fee8314b92f" providerId="LiveId" clId="{800E18A4-FDF0-4A45-B5EE-99D8C4DE58A7}" dt="2024-01-24T16:27:00.903" v="1347" actId="1076"/>
       <pc:docMkLst>
         <pc:docMk/>
       </pc:docMkLst>
       <pc:sldChg chg="addSp delSp modSp mod modNotesTx">
-        <pc:chgData name="Tyler Milewski" userId="d8a66fee8314b92f" providerId="LiveId" clId="{800E18A4-FDF0-4A45-B5EE-99D8C4DE58A7}" dt="2024-01-03T18:42:11.848" v="726" actId="1076"/>
+        <pc:chgData name="Tyler Milewski" userId="d8a66fee8314b92f" providerId="LiveId" clId="{800E18A4-FDF0-4A45-B5EE-99D8C4DE58A7}" dt="2024-01-24T16:09:15.219" v="1244" actId="20577"/>
         <pc:sldMkLst>
           <pc:docMk/>
           <pc:sldMk cId="2415045343" sldId="256"/>
@@ -131,6 +137,22 @@
             <pc:docMk/>
             <pc:sldMk cId="2415045343" sldId="256"/>
             <ac:spMk id="32" creationId="{BF132CB9-CC90-AE1F-EBDF-3C3F86704003}"/>
+          </ac:spMkLst>
+        </pc:spChg>
+        <pc:spChg chg="mod">
+          <ac:chgData name="Tyler Milewski" userId="d8a66fee8314b92f" providerId="LiveId" clId="{800E18A4-FDF0-4A45-B5EE-99D8C4DE58A7}" dt="2024-01-24T15:56:54.395" v="740" actId="20577"/>
+          <ac:spMkLst>
+            <pc:docMk/>
+            <pc:sldMk cId="2415045343" sldId="256"/>
+            <ac:spMk id="34" creationId="{347DD35A-B628-984E-D836-C83B76743BBA}"/>
+          </ac:spMkLst>
+        </pc:spChg>
+        <pc:spChg chg="mod">
+          <ac:chgData name="Tyler Milewski" userId="d8a66fee8314b92f" providerId="LiveId" clId="{800E18A4-FDF0-4A45-B5EE-99D8C4DE58A7}" dt="2024-01-24T15:56:50.159" v="734" actId="20577"/>
+          <ac:spMkLst>
+            <pc:docMk/>
+            <pc:sldMk cId="2415045343" sldId="256"/>
+            <ac:spMk id="35" creationId="{582A5294-1513-EFBD-DC7E-2570B8814AA8}"/>
           </ac:spMkLst>
         </pc:spChg>
         <pc:spChg chg="mod">
@@ -398,7 +420,7 @@
           </ac:spMkLst>
         </pc:spChg>
         <pc:spChg chg="add mod">
-          <ac:chgData name="Tyler Milewski" userId="d8a66fee8314b92f" providerId="LiveId" clId="{800E18A4-FDF0-4A45-B5EE-99D8C4DE58A7}" dt="2024-01-03T18:41:59.356" v="723" actId="1038"/>
+          <ac:chgData name="Tyler Milewski" userId="d8a66fee8314b92f" providerId="LiveId" clId="{800E18A4-FDF0-4A45-B5EE-99D8C4DE58A7}" dt="2024-01-24T16:09:15.219" v="1244" actId="20577"/>
           <ac:spMkLst>
             <pc:docMk/>
             <pc:sldMk cId="2415045343" sldId="256"/>
@@ -462,7 +484,7 @@
           </ac:graphicFrameMkLst>
         </pc:graphicFrameChg>
         <pc:graphicFrameChg chg="mod modGraphic">
-          <ac:chgData name="Tyler Milewski" userId="d8a66fee8314b92f" providerId="LiveId" clId="{800E18A4-FDF0-4A45-B5EE-99D8C4DE58A7}" dt="2024-01-03T18:41:59.356" v="723" actId="1038"/>
+          <ac:chgData name="Tyler Milewski" userId="d8a66fee8314b92f" providerId="LiveId" clId="{800E18A4-FDF0-4A45-B5EE-99D8C4DE58A7}" dt="2024-01-24T16:07:31.845" v="1233" actId="1076"/>
           <ac:graphicFrameMkLst>
             <pc:docMk/>
             <pc:sldMk cId="2415045343" sldId="256"/>
@@ -502,6 +524,309 @@
           </ac:picMkLst>
         </pc:picChg>
       </pc:sldChg>
+      <pc:sldChg chg="addSp delSp modSp add mod">
+        <pc:chgData name="Tyler Milewski" userId="d8a66fee8314b92f" providerId="LiveId" clId="{800E18A4-FDF0-4A45-B5EE-99D8C4DE58A7}" dt="2024-01-24T16:27:00.903" v="1347" actId="1076"/>
+        <pc:sldMkLst>
+          <pc:docMk/>
+          <pc:sldMk cId="810789689" sldId="257"/>
+        </pc:sldMkLst>
+        <pc:spChg chg="add mod">
+          <ac:chgData name="Tyler Milewski" userId="d8a66fee8314b92f" providerId="LiveId" clId="{800E18A4-FDF0-4A45-B5EE-99D8C4DE58A7}" dt="2024-01-24T16:27:00.903" v="1347" actId="1076"/>
+          <ac:spMkLst>
+            <pc:docMk/>
+            <pc:sldMk cId="810789689" sldId="257"/>
+            <ac:spMk id="5" creationId="{F9BEC109-49EE-96D0-2A30-EBE458ACFE34}"/>
+          </ac:spMkLst>
+        </pc:spChg>
+        <pc:spChg chg="del mod topLvl">
+          <ac:chgData name="Tyler Milewski" userId="d8a66fee8314b92f" providerId="LiveId" clId="{800E18A4-FDF0-4A45-B5EE-99D8C4DE58A7}" dt="2024-01-24T16:11:34.109" v="1273"/>
+          <ac:spMkLst>
+            <pc:docMk/>
+            <pc:sldMk cId="810789689" sldId="257"/>
+            <ac:spMk id="32" creationId="{BF132CB9-CC90-AE1F-EBDF-3C3F86704003}"/>
+          </ac:spMkLst>
+        </pc:spChg>
+        <pc:spChg chg="mod topLvl">
+          <ac:chgData name="Tyler Milewski" userId="d8a66fee8314b92f" providerId="LiveId" clId="{800E18A4-FDF0-4A45-B5EE-99D8C4DE58A7}" dt="2024-01-24T16:11:48.044" v="1277" actId="14100"/>
+          <ac:spMkLst>
+            <pc:docMk/>
+            <pc:sldMk cId="810789689" sldId="257"/>
+            <ac:spMk id="33" creationId="{89918647-0B1B-3424-2A7A-2D15B2EB787F}"/>
+          </ac:spMkLst>
+        </pc:spChg>
+        <pc:spChg chg="mod topLvl">
+          <ac:chgData name="Tyler Milewski" userId="d8a66fee8314b92f" providerId="LiveId" clId="{800E18A4-FDF0-4A45-B5EE-99D8C4DE58A7}" dt="2024-01-24T16:12:18.261" v="1280" actId="14100"/>
+          <ac:spMkLst>
+            <pc:docMk/>
+            <pc:sldMk cId="810789689" sldId="257"/>
+            <ac:spMk id="34" creationId="{347DD35A-B628-984E-D836-C83B76743BBA}"/>
+          </ac:spMkLst>
+        </pc:spChg>
+        <pc:spChg chg="mod topLvl">
+          <ac:chgData name="Tyler Milewski" userId="d8a66fee8314b92f" providerId="LiveId" clId="{800E18A4-FDF0-4A45-B5EE-99D8C4DE58A7}" dt="2024-01-24T16:11:53.514" v="1278" actId="14100"/>
+          <ac:spMkLst>
+            <pc:docMk/>
+            <pc:sldMk cId="810789689" sldId="257"/>
+            <ac:spMk id="35" creationId="{582A5294-1513-EFBD-DC7E-2570B8814AA8}"/>
+          </ac:spMkLst>
+        </pc:spChg>
+        <pc:spChg chg="del mod topLvl">
+          <ac:chgData name="Tyler Milewski" userId="d8a66fee8314b92f" providerId="LiveId" clId="{800E18A4-FDF0-4A45-B5EE-99D8C4DE58A7}" dt="2024-01-24T16:11:34.109" v="1271" actId="478"/>
+          <ac:spMkLst>
+            <pc:docMk/>
+            <pc:sldMk cId="810789689" sldId="257"/>
+            <ac:spMk id="40" creationId="{2911ED61-CA06-02D0-E286-48548893BF03}"/>
+          </ac:spMkLst>
+        </pc:spChg>
+        <pc:spChg chg="del mod">
+          <ac:chgData name="Tyler Milewski" userId="d8a66fee8314b92f" providerId="LiveId" clId="{800E18A4-FDF0-4A45-B5EE-99D8C4DE58A7}" dt="2024-01-24T16:11:34.125" v="1275"/>
+          <ac:spMkLst>
+            <pc:docMk/>
+            <pc:sldMk cId="810789689" sldId="257"/>
+            <ac:spMk id="46" creationId="{29DBB67B-E9D7-A3A1-7DF5-397C32FB9C79}"/>
+          </ac:spMkLst>
+        </pc:spChg>
+        <pc:spChg chg="mod">
+          <ac:chgData name="Tyler Milewski" userId="d8a66fee8314b92f" providerId="LiveId" clId="{800E18A4-FDF0-4A45-B5EE-99D8C4DE58A7}" dt="2024-01-24T16:06:24.499" v="1156" actId="1076"/>
+          <ac:spMkLst>
+            <pc:docMk/>
+            <pc:sldMk cId="810789689" sldId="257"/>
+            <ac:spMk id="47" creationId="{E255C10D-FCFD-4E86-A954-476D04AD885D}"/>
+          </ac:spMkLst>
+        </pc:spChg>
+        <pc:spChg chg="mod">
+          <ac:chgData name="Tyler Milewski" userId="d8a66fee8314b92f" providerId="LiveId" clId="{800E18A4-FDF0-4A45-B5EE-99D8C4DE58A7}" dt="2024-01-24T16:13:18.064" v="1287" actId="1076"/>
+          <ac:spMkLst>
+            <pc:docMk/>
+            <pc:sldMk cId="810789689" sldId="257"/>
+            <ac:spMk id="48" creationId="{A90BAFCA-53EA-A68E-5459-B7E863D9F99E}"/>
+          </ac:spMkLst>
+        </pc:spChg>
+        <pc:spChg chg="mod">
+          <ac:chgData name="Tyler Milewski" userId="d8a66fee8314b92f" providerId="LiveId" clId="{800E18A4-FDF0-4A45-B5EE-99D8C4DE58A7}" dt="2024-01-24T16:13:19.858" v="1289" actId="20577"/>
+          <ac:spMkLst>
+            <pc:docMk/>
+            <pc:sldMk cId="810789689" sldId="257"/>
+            <ac:spMk id="49" creationId="{C688107C-0790-E4A9-5287-3ABE5AF9610A}"/>
+          </ac:spMkLst>
+        </pc:spChg>
+        <pc:spChg chg="mod">
+          <ac:chgData name="Tyler Milewski" userId="d8a66fee8314b92f" providerId="LiveId" clId="{800E18A4-FDF0-4A45-B5EE-99D8C4DE58A7}" dt="2024-01-24T16:02:48.535" v="1014" actId="1076"/>
+          <ac:spMkLst>
+            <pc:docMk/>
+            <pc:sldMk cId="810789689" sldId="257"/>
+            <ac:spMk id="50" creationId="{4DAB9C24-56C5-4961-73CC-0F5172A8C55C}"/>
+          </ac:spMkLst>
+        </pc:spChg>
+        <pc:spChg chg="mod">
+          <ac:chgData name="Tyler Milewski" userId="d8a66fee8314b92f" providerId="LiveId" clId="{800E18A4-FDF0-4A45-B5EE-99D8C4DE58A7}" dt="2024-01-24T16:13:44.017" v="1294" actId="1076"/>
+          <ac:spMkLst>
+            <pc:docMk/>
+            <pc:sldMk cId="810789689" sldId="257"/>
+            <ac:spMk id="51" creationId="{5ADE3B0F-307B-FBBB-9D25-31F66E794DFC}"/>
+          </ac:spMkLst>
+        </pc:spChg>
+        <pc:spChg chg="mod">
+          <ac:chgData name="Tyler Milewski" userId="d8a66fee8314b92f" providerId="LiveId" clId="{800E18A4-FDF0-4A45-B5EE-99D8C4DE58A7}" dt="2024-01-24T16:13:54.378" v="1295" actId="1076"/>
+          <ac:spMkLst>
+            <pc:docMk/>
+            <pc:sldMk cId="810789689" sldId="257"/>
+            <ac:spMk id="52" creationId="{E704EF28-18CA-990E-0BB7-CB19282A9195}"/>
+          </ac:spMkLst>
+        </pc:spChg>
+        <pc:spChg chg="mod">
+          <ac:chgData name="Tyler Milewski" userId="d8a66fee8314b92f" providerId="LiveId" clId="{800E18A4-FDF0-4A45-B5EE-99D8C4DE58A7}" dt="2024-01-24T16:09:52.715" v="1248" actId="1076"/>
+          <ac:spMkLst>
+            <pc:docMk/>
+            <pc:sldMk cId="810789689" sldId="257"/>
+            <ac:spMk id="77" creationId="{82D2A697-673A-6A12-4EEE-6CEC5915548A}"/>
+          </ac:spMkLst>
+        </pc:spChg>
+        <pc:spChg chg="mod">
+          <ac:chgData name="Tyler Milewski" userId="d8a66fee8314b92f" providerId="LiveId" clId="{800E18A4-FDF0-4A45-B5EE-99D8C4DE58A7}" dt="2024-01-24T16:10:22.842" v="1257" actId="1076"/>
+          <ac:spMkLst>
+            <pc:docMk/>
+            <pc:sldMk cId="810789689" sldId="257"/>
+            <ac:spMk id="78" creationId="{E968F7E2-D33C-F9F7-3889-CFDF2FEED52F}"/>
+          </ac:spMkLst>
+        </pc:spChg>
+        <pc:spChg chg="mod">
+          <ac:chgData name="Tyler Milewski" userId="d8a66fee8314b92f" providerId="LiveId" clId="{800E18A4-FDF0-4A45-B5EE-99D8C4DE58A7}" dt="2024-01-24T16:10:16.862" v="1256" actId="1076"/>
+          <ac:spMkLst>
+            <pc:docMk/>
+            <pc:sldMk cId="810789689" sldId="257"/>
+            <ac:spMk id="79" creationId="{61238A9E-0EFE-F4F6-3431-698D35ADAA1A}"/>
+          </ac:spMkLst>
+        </pc:spChg>
+        <pc:spChg chg="mod">
+          <ac:chgData name="Tyler Milewski" userId="d8a66fee8314b92f" providerId="LiveId" clId="{800E18A4-FDF0-4A45-B5EE-99D8C4DE58A7}" dt="2024-01-24T16:09:32.949" v="1246" actId="20577"/>
+          <ac:spMkLst>
+            <pc:docMk/>
+            <pc:sldMk cId="810789689" sldId="257"/>
+            <ac:spMk id="81" creationId="{EA2AFA99-F94B-6A48-C742-00329C2908AD}"/>
+          </ac:spMkLst>
+        </pc:spChg>
+        <pc:spChg chg="mod">
+          <ac:chgData name="Tyler Milewski" userId="d8a66fee8314b92f" providerId="LiveId" clId="{800E18A4-FDF0-4A45-B5EE-99D8C4DE58A7}" dt="2024-01-24T16:00:27.584" v="778" actId="1076"/>
+          <ac:spMkLst>
+            <pc:docMk/>
+            <pc:sldMk cId="810789689" sldId="257"/>
+            <ac:spMk id="84" creationId="{C64B62B1-92B2-D761-C477-E8B30509B654}"/>
+          </ac:spMkLst>
+        </pc:spChg>
+        <pc:spChg chg="mod">
+          <ac:chgData name="Tyler Milewski" userId="d8a66fee8314b92f" providerId="LiveId" clId="{800E18A4-FDF0-4A45-B5EE-99D8C4DE58A7}" dt="2024-01-24T16:01:30.120" v="896" actId="1076"/>
+          <ac:spMkLst>
+            <pc:docMk/>
+            <pc:sldMk cId="810789689" sldId="257"/>
+            <ac:spMk id="85" creationId="{F3A97C63-458F-1701-2873-A2B1A2E2C5C2}"/>
+          </ac:spMkLst>
+        </pc:spChg>
+        <pc:grpChg chg="mod topLvl">
+          <ac:chgData name="Tyler Milewski" userId="d8a66fee8314b92f" providerId="LiveId" clId="{800E18A4-FDF0-4A45-B5EE-99D8C4DE58A7}" dt="2024-01-24T15:58:55.448" v="757" actId="1076"/>
+          <ac:grpSpMkLst>
+            <pc:docMk/>
+            <pc:sldMk cId="810789689" sldId="257"/>
+            <ac:grpSpMk id="19" creationId="{AE9F605D-AD65-D805-8DEA-42AF25985266}"/>
+          </ac:grpSpMkLst>
+        </pc:grpChg>
+        <pc:grpChg chg="del mod topLvl">
+          <ac:chgData name="Tyler Milewski" userId="d8a66fee8314b92f" providerId="LiveId" clId="{800E18A4-FDF0-4A45-B5EE-99D8C4DE58A7}" dt="2024-01-24T15:58:41.650" v="755" actId="165"/>
+          <ac:grpSpMkLst>
+            <pc:docMk/>
+            <pc:sldMk cId="810789689" sldId="257"/>
+            <ac:grpSpMk id="29" creationId="{D2F5E81E-4610-485F-5DC6-F521EE3FFC9C}"/>
+          </ac:grpSpMkLst>
+        </pc:grpChg>
+        <pc:grpChg chg="del mod topLvl">
+          <ac:chgData name="Tyler Milewski" userId="d8a66fee8314b92f" providerId="LiveId" clId="{800E18A4-FDF0-4A45-B5EE-99D8C4DE58A7}" dt="2024-01-24T15:58:26.154" v="751" actId="165"/>
+          <ac:grpSpMkLst>
+            <pc:docMk/>
+            <pc:sldMk cId="810789689" sldId="257"/>
+            <ac:grpSpMk id="30" creationId="{5831E189-B561-B694-533A-BDC07DA59659}"/>
+          </ac:grpSpMkLst>
+        </pc:grpChg>
+        <pc:grpChg chg="del mod topLvl">
+          <ac:chgData name="Tyler Milewski" userId="d8a66fee8314b92f" providerId="LiveId" clId="{800E18A4-FDF0-4A45-B5EE-99D8C4DE58A7}" dt="2024-01-24T15:58:39.209" v="754" actId="165"/>
+          <ac:grpSpMkLst>
+            <pc:docMk/>
+            <pc:sldMk cId="810789689" sldId="257"/>
+            <ac:grpSpMk id="36" creationId="{065D953F-E60C-A773-0C30-27980EA1FD8C}"/>
+          </ac:grpSpMkLst>
+        </pc:grpChg>
+        <pc:grpChg chg="del mod topLvl">
+          <ac:chgData name="Tyler Milewski" userId="d8a66fee8314b92f" providerId="LiveId" clId="{800E18A4-FDF0-4A45-B5EE-99D8C4DE58A7}" dt="2024-01-24T15:58:24.154" v="750" actId="165"/>
+          <ac:grpSpMkLst>
+            <pc:docMk/>
+            <pc:sldMk cId="810789689" sldId="257"/>
+            <ac:grpSpMk id="38" creationId="{96519F0D-89FB-B3C9-518D-9F5EED1CCD8E}"/>
+          </ac:grpSpMkLst>
+        </pc:grpChg>
+        <pc:grpChg chg="del">
+          <ac:chgData name="Tyler Milewski" userId="d8a66fee8314b92f" providerId="LiveId" clId="{800E18A4-FDF0-4A45-B5EE-99D8C4DE58A7}" dt="2024-01-24T15:58:37.216" v="753" actId="165"/>
+          <ac:grpSpMkLst>
+            <pc:docMk/>
+            <pc:sldMk cId="810789689" sldId="257"/>
+            <ac:grpSpMk id="41" creationId="{6B3350C8-30C8-DBD2-0B97-1E6731102708}"/>
+          </ac:grpSpMkLst>
+        </pc:grpChg>
+        <pc:grpChg chg="del">
+          <ac:chgData name="Tyler Milewski" userId="d8a66fee8314b92f" providerId="LiveId" clId="{800E18A4-FDF0-4A45-B5EE-99D8C4DE58A7}" dt="2024-01-24T15:58:17.862" v="749" actId="165"/>
+          <ac:grpSpMkLst>
+            <pc:docMk/>
+            <pc:sldMk cId="810789689" sldId="257"/>
+            <ac:grpSpMk id="42" creationId="{8DDA9E09-17DC-D43A-97A2-D12F353F1A34}"/>
+          </ac:grpSpMkLst>
+        </pc:grpChg>
+        <pc:graphicFrameChg chg="mod">
+          <ac:chgData name="Tyler Milewski" userId="d8a66fee8314b92f" providerId="LiveId" clId="{800E18A4-FDF0-4A45-B5EE-99D8C4DE58A7}" dt="2024-01-24T16:08:15.623" v="1237"/>
+          <ac:graphicFrameMkLst>
+            <pc:docMk/>
+            <pc:sldMk cId="810789689" sldId="257"/>
+            <ac:graphicFrameMk id="43" creationId="{3A826801-B648-5DC1-C828-344D93D48F40}"/>
+          </ac:graphicFrameMkLst>
+        </pc:graphicFrameChg>
+        <pc:graphicFrameChg chg="mod modGraphic">
+          <ac:chgData name="Tyler Milewski" userId="d8a66fee8314b92f" providerId="LiveId" clId="{800E18A4-FDF0-4A45-B5EE-99D8C4DE58A7}" dt="2024-01-24T16:06:46.662" v="1226" actId="1036"/>
+          <ac:graphicFrameMkLst>
+            <pc:docMk/>
+            <pc:sldMk cId="810789689" sldId="257"/>
+            <ac:graphicFrameMk id="45" creationId="{51E9BCE5-727E-6350-71B6-6DD1D42ADAE0}"/>
+          </ac:graphicFrameMkLst>
+        </pc:graphicFrameChg>
+        <pc:picChg chg="add mod ord">
+          <ac:chgData name="Tyler Milewski" userId="d8a66fee8314b92f" providerId="LiveId" clId="{800E18A4-FDF0-4A45-B5EE-99D8C4DE58A7}" dt="2024-01-24T16:09:45.687" v="1247" actId="167"/>
+          <ac:picMkLst>
+            <pc:docMk/>
+            <pc:sldMk cId="810789689" sldId="257"/>
+            <ac:picMk id="2" creationId="{594770FB-9DDA-0545-4417-1A368F157D1E}"/>
+          </ac:picMkLst>
+        </pc:picChg>
+        <pc:picChg chg="add mod modCrop">
+          <ac:chgData name="Tyler Milewski" userId="d8a66fee8314b92f" providerId="LiveId" clId="{800E18A4-FDF0-4A45-B5EE-99D8C4DE58A7}" dt="2024-01-24T16:26:53.130" v="1346" actId="1076"/>
+          <ac:picMkLst>
+            <pc:docMk/>
+            <pc:sldMk cId="810789689" sldId="257"/>
+            <ac:picMk id="4" creationId="{C4E5F312-51D8-B81F-D1CE-B24054912081}"/>
+          </ac:picMkLst>
+        </pc:picChg>
+        <pc:picChg chg="mod">
+          <ac:chgData name="Tyler Milewski" userId="d8a66fee8314b92f" providerId="LiveId" clId="{800E18A4-FDF0-4A45-B5EE-99D8C4DE58A7}" dt="2024-01-24T15:58:41.650" v="755" actId="165"/>
+          <ac:picMkLst>
+            <pc:docMk/>
+            <pc:sldMk cId="810789689" sldId="257"/>
+            <ac:picMk id="20" creationId="{0EEBCDEB-4062-E901-C08D-B311631E2FF7}"/>
+          </ac:picMkLst>
+        </pc:picChg>
+        <pc:picChg chg="mod">
+          <ac:chgData name="Tyler Milewski" userId="d8a66fee8314b92f" providerId="LiveId" clId="{800E18A4-FDF0-4A45-B5EE-99D8C4DE58A7}" dt="2024-01-24T15:58:41.650" v="755" actId="165"/>
+          <ac:picMkLst>
+            <pc:docMk/>
+            <pc:sldMk cId="810789689" sldId="257"/>
+            <ac:picMk id="21" creationId="{0F5CB542-99CF-9C2F-78E2-A45FE7328B68}"/>
+          </ac:picMkLst>
+        </pc:picChg>
+        <pc:picChg chg="mod">
+          <ac:chgData name="Tyler Milewski" userId="d8a66fee8314b92f" providerId="LiveId" clId="{800E18A4-FDF0-4A45-B5EE-99D8C4DE58A7}" dt="2024-01-24T15:58:41.650" v="755" actId="165"/>
+          <ac:picMkLst>
+            <pc:docMk/>
+            <pc:sldMk cId="810789689" sldId="257"/>
+            <ac:picMk id="22" creationId="{70038356-D1C7-1FD8-5B6E-D27DFAD3DB8E}"/>
+          </ac:picMkLst>
+        </pc:picChg>
+        <pc:picChg chg="mod topLvl">
+          <ac:chgData name="Tyler Milewski" userId="d8a66fee8314b92f" providerId="LiveId" clId="{800E18A4-FDF0-4A45-B5EE-99D8C4DE58A7}" dt="2024-01-24T16:02:24.316" v="1008" actId="1076"/>
+          <ac:picMkLst>
+            <pc:docMk/>
+            <pc:sldMk cId="810789689" sldId="257"/>
+            <ac:picMk id="24" creationId="{919FDC1D-2D83-86C3-5066-5F0AB3308EC7}"/>
+          </ac:picMkLst>
+        </pc:picChg>
+        <pc:picChg chg="del mod topLvl">
+          <ac:chgData name="Tyler Milewski" userId="d8a66fee8314b92f" providerId="LiveId" clId="{800E18A4-FDF0-4A45-B5EE-99D8C4DE58A7}" dt="2024-01-24T15:58:30.735" v="752" actId="478"/>
+          <ac:picMkLst>
+            <pc:docMk/>
+            <pc:sldMk cId="810789689" sldId="257"/>
+            <ac:picMk id="25" creationId="{AD3FDBA9-468E-67B0-253D-3CDAFDAAD62E}"/>
+          </ac:picMkLst>
+        </pc:picChg>
+        <pc:picChg chg="mod topLvl">
+          <ac:chgData name="Tyler Milewski" userId="d8a66fee8314b92f" providerId="LiveId" clId="{800E18A4-FDF0-4A45-B5EE-99D8C4DE58A7}" dt="2024-01-24T16:06:24.499" v="1156" actId="1076"/>
+          <ac:picMkLst>
+            <pc:docMk/>
+            <pc:sldMk cId="810789689" sldId="257"/>
+            <ac:picMk id="26" creationId="{9856BF9C-3F63-2199-36B1-952CCC8B1051}"/>
+          </ac:picMkLst>
+        </pc:picChg>
+        <pc:picChg chg="del mod">
+          <ac:chgData name="Tyler Milewski" userId="d8a66fee8314b92f" providerId="LiveId" clId="{800E18A4-FDF0-4A45-B5EE-99D8C4DE58A7}" dt="2024-01-24T16:06:55.157" v="1227" actId="478"/>
+          <ac:picMkLst>
+            <pc:docMk/>
+            <pc:sldMk cId="810789689" sldId="257"/>
+            <ac:picMk id="31" creationId="{D42CF7C0-2230-D8C2-A6F3-9D2E87469DED}"/>
+          </ac:picMkLst>
+        </pc:picChg>
+      </pc:sldChg>
     </pc:docChg>
   </pc:docChgLst>
 </pc:chgInfo>
@@ -589,7 +914,7 @@
           <a:p>
             <a:fld id="{1E17C8F1-20B0-41BC-9E70-4C974252E31F}" type="datetimeFigureOut">
               <a:rPr lang="en-US" smtClean="0"/>
-              <a:t>1/3/2024</a:t>
+              <a:t>1/24/2024</a:t>
             </a:fld>
             <a:endParaRPr lang="en-US"/>
           </a:p>
@@ -956,6 +1281,106 @@
 </p:notes>
 </file>
 
+<file path=ppt/notesSlides/notesSlide2.xml><?xml version="1.0" encoding="utf-8"?>
+<p:notes xmlns:a="http://schemas.openxmlformats.org/drawingml/2006/main" xmlns:r="http://schemas.openxmlformats.org/officeDocument/2006/relationships" xmlns:p="http://schemas.openxmlformats.org/presentationml/2006/main">
+  <p:cSld>
+    <p:spTree>
+      <p:nvGrpSpPr>
+        <p:cNvPr id="1" name=""/>
+        <p:cNvGrpSpPr/>
+        <p:nvPr/>
+      </p:nvGrpSpPr>
+      <p:grpSpPr>
+        <a:xfrm>
+          <a:off x="0" y="0"/>
+          <a:ext cx="0" cy="0"/>
+          <a:chOff x="0" y="0"/>
+          <a:chExt cx="0" cy="0"/>
+        </a:xfrm>
+      </p:grpSpPr>
+      <p:sp>
+        <p:nvSpPr>
+          <p:cNvPr id="2" name="Slide Image Placeholder 1"/>
+          <p:cNvSpPr>
+            <a:spLocks noGrp="1" noRot="1" noChangeAspect="1"/>
+          </p:cNvSpPr>
+          <p:nvPr>
+            <p:ph type="sldImg"/>
+          </p:nvPr>
+        </p:nvSpPr>
+        <p:spPr/>
+      </p:sp>
+      <p:sp>
+        <p:nvSpPr>
+          <p:cNvPr id="3" name="Notes Placeholder 2"/>
+          <p:cNvSpPr>
+            <a:spLocks noGrp="1"/>
+          </p:cNvSpPr>
+          <p:nvPr>
+            <p:ph type="body" idx="1"/>
+          </p:nvPr>
+        </p:nvSpPr>
+        <p:spPr/>
+        <p:txBody>
+          <a:bodyPr/>
+          <a:lstStyle/>
+          <a:p>
+            <a:pPr marL="0" marR="0">
+              <a:lnSpc>
+                <a:spcPct val="107000"/>
+              </a:lnSpc>
+              <a:spcBef>
+                <a:spcPts val="0"/>
+              </a:spcBef>
+              <a:spcAft>
+                <a:spcPts val="0"/>
+              </a:spcAft>
+            </a:pPr>
+            <a:endParaRPr lang="en-US" sz="1800" kern="100" dirty="0">
+              <a:effectLst/>
+              <a:latin typeface="Calibri" panose="020F0502020204030204" pitchFamily="34" charset="0"/>
+              <a:ea typeface="Calibri" panose="020F0502020204030204" pitchFamily="34" charset="0"/>
+              <a:cs typeface="Times New Roman" panose="02020603050405020304" pitchFamily="18" charset="0"/>
+            </a:endParaRPr>
+          </a:p>
+        </p:txBody>
+      </p:sp>
+      <p:sp>
+        <p:nvSpPr>
+          <p:cNvPr id="4" name="Slide Number Placeholder 3"/>
+          <p:cNvSpPr>
+            <a:spLocks noGrp="1"/>
+          </p:cNvSpPr>
+          <p:nvPr>
+            <p:ph type="sldNum" sz="quarter" idx="5"/>
+          </p:nvPr>
+        </p:nvSpPr>
+        <p:spPr/>
+        <p:txBody>
+          <a:bodyPr/>
+          <a:lstStyle/>
+          <a:p>
+            <a:fld id="{B739A5BC-1638-4525-8B5B-F510C3B0B22D}" type="slidenum">
+              <a:rPr lang="en-US" smtClean="0"/>
+              <a:t>2</a:t>
+            </a:fld>
+            <a:endParaRPr lang="en-US"/>
+          </a:p>
+        </p:txBody>
+      </p:sp>
+    </p:spTree>
+    <p:extLst>
+      <p:ext uri="{BB962C8B-B14F-4D97-AF65-F5344CB8AC3E}">
+        <p14:creationId xmlns:p14="http://schemas.microsoft.com/office/powerpoint/2010/main" val="2924518087"/>
+      </p:ext>
+    </p:extLst>
+  </p:cSld>
+  <p:clrMapOvr>
+    <a:masterClrMapping/>
+  </p:clrMapOvr>
+</p:notes>
+</file>
+
 <file path=ppt/slideLayouts/slideLayout1.xml><?xml version="1.0" encoding="utf-8"?>
 <p:sldLayout xmlns:a="http://schemas.openxmlformats.org/drawingml/2006/main" xmlns:r="http://schemas.openxmlformats.org/officeDocument/2006/relationships" xmlns:p="http://schemas.openxmlformats.org/presentationml/2006/main" type="title" preserve="1">
   <p:cSld name="Title Slide">
@@ -1087,7 +1512,7 @@
           <a:p>
             <a:fld id="{92449AC7-274B-485C-A7D8-9C02B0711DAD}" type="datetimeFigureOut">
               <a:rPr lang="en-US" smtClean="0"/>
-              <a:t>1/3/2024</a:t>
+              <a:t>1/24/2024</a:t>
             </a:fld>
             <a:endParaRPr lang="en-US"/>
           </a:p>
@@ -1257,7 +1682,7 @@
           <a:p>
             <a:fld id="{92449AC7-274B-485C-A7D8-9C02B0711DAD}" type="datetimeFigureOut">
               <a:rPr lang="en-US" smtClean="0"/>
-              <a:t>1/3/2024</a:t>
+              <a:t>1/24/2024</a:t>
             </a:fld>
             <a:endParaRPr lang="en-US"/>
           </a:p>
@@ -1437,7 +1862,7 @@
           <a:p>
             <a:fld id="{92449AC7-274B-485C-A7D8-9C02B0711DAD}" type="datetimeFigureOut">
               <a:rPr lang="en-US" smtClean="0"/>
-              <a:t>1/3/2024</a:t>
+              <a:t>1/24/2024</a:t>
             </a:fld>
             <a:endParaRPr lang="en-US"/>
           </a:p>
@@ -1607,7 +2032,7 @@
           <a:p>
             <a:fld id="{92449AC7-274B-485C-A7D8-9C02B0711DAD}" type="datetimeFigureOut">
               <a:rPr lang="en-US" smtClean="0"/>
-              <a:t>1/3/2024</a:t>
+              <a:t>1/24/2024</a:t>
             </a:fld>
             <a:endParaRPr lang="en-US"/>
           </a:p>
@@ -1851,7 +2276,7 @@
           <a:p>
             <a:fld id="{92449AC7-274B-485C-A7D8-9C02B0711DAD}" type="datetimeFigureOut">
               <a:rPr lang="en-US" smtClean="0"/>
-              <a:t>1/3/2024</a:t>
+              <a:t>1/24/2024</a:t>
             </a:fld>
             <a:endParaRPr lang="en-US"/>
           </a:p>
@@ -2083,7 +2508,7 @@
           <a:p>
             <a:fld id="{92449AC7-274B-485C-A7D8-9C02B0711DAD}" type="datetimeFigureOut">
               <a:rPr lang="en-US" smtClean="0"/>
-              <a:t>1/3/2024</a:t>
+              <a:t>1/24/2024</a:t>
             </a:fld>
             <a:endParaRPr lang="en-US"/>
           </a:p>
@@ -2450,7 +2875,7 @@
           <a:p>
             <a:fld id="{92449AC7-274B-485C-A7D8-9C02B0711DAD}" type="datetimeFigureOut">
               <a:rPr lang="en-US" smtClean="0"/>
-              <a:t>1/3/2024</a:t>
+              <a:t>1/24/2024</a:t>
             </a:fld>
             <a:endParaRPr lang="en-US"/>
           </a:p>
@@ -2568,7 +2993,7 @@
           <a:p>
             <a:fld id="{92449AC7-274B-485C-A7D8-9C02B0711DAD}" type="datetimeFigureOut">
               <a:rPr lang="en-US" smtClean="0"/>
-              <a:t>1/3/2024</a:t>
+              <a:t>1/24/2024</a:t>
             </a:fld>
             <a:endParaRPr lang="en-US"/>
           </a:p>
@@ -2663,7 +3088,7 @@
           <a:p>
             <a:fld id="{92449AC7-274B-485C-A7D8-9C02B0711DAD}" type="datetimeFigureOut">
               <a:rPr lang="en-US" smtClean="0"/>
-              <a:t>1/3/2024</a:t>
+              <a:t>1/24/2024</a:t>
             </a:fld>
             <a:endParaRPr lang="en-US"/>
           </a:p>
@@ -2940,7 +3365,7 @@
           <a:p>
             <a:fld id="{92449AC7-274B-485C-A7D8-9C02B0711DAD}" type="datetimeFigureOut">
               <a:rPr lang="en-US" smtClean="0"/>
-              <a:t>1/3/2024</a:t>
+              <a:t>1/24/2024</a:t>
             </a:fld>
             <a:endParaRPr lang="en-US"/>
           </a:p>
@@ -3197,7 +3622,7 @@
           <a:p>
             <a:fld id="{92449AC7-274B-485C-A7D8-9C02B0711DAD}" type="datetimeFigureOut">
               <a:rPr lang="en-US" smtClean="0"/>
-              <a:t>1/3/2024</a:t>
+              <a:t>1/24/2024</a:t>
             </a:fld>
             <a:endParaRPr lang="en-US"/>
           </a:p>
@@ -3410,7 +3835,7 @@
           <a:p>
             <a:fld id="{92449AC7-274B-485C-A7D8-9C02B0711DAD}" type="datetimeFigureOut">
               <a:rPr lang="en-US" smtClean="0"/>
-              <a:t>1/3/2024</a:t>
+              <a:t>1/24/2024</a:t>
             </a:fld>
             <a:endParaRPr lang="en-US"/>
           </a:p>
@@ -5093,7 +5518,7 @@
                 <a:pPr algn="ctr"/>
                 <a:r>
                   <a:rPr lang="en-US" sz="2400" dirty="0"/>
-                  <a:t>ASC Module  </a:t>
+                  <a:t>TRN Module  </a:t>
                 </a:r>
               </a:p>
             </p:txBody>
@@ -5268,7 +5693,7 @@
                 <a:pPr algn="ctr"/>
                 <a:r>
                   <a:rPr lang="en-US" sz="2400" dirty="0"/>
-                  <a:t>TRN Modules  </a:t>
+                  <a:t>ASC Modules  </a:t>
                 </a:r>
               </a:p>
             </p:txBody>
@@ -5325,13 +5750,13 @@
           <p:nvPr>
             <p:extLst>
               <p:ext uri="{D42A27DB-BD31-4B8C-83A1-F6EECF244321}">
-                <p14:modId xmlns:p14="http://schemas.microsoft.com/office/powerpoint/2010/main" val="540019713"/>
+                <p14:modId xmlns:p14="http://schemas.microsoft.com/office/powerpoint/2010/main" val="820298345"/>
               </p:ext>
             </p:extLst>
           </p:nvPr>
         </p:nvGraphicFramePr>
         <p:xfrm>
-          <a:off x="653114" y="5952980"/>
+          <a:off x="567390" y="8070310"/>
           <a:ext cx="6598456" cy="5054941"/>
         </p:xfrm>
         <a:graphic>
@@ -6617,7 +7042,7 @@
         <p:spPr>
           <a:xfrm>
             <a:off x="10210489" y="4839341"/>
-            <a:ext cx="2812901" cy="738664"/>
+            <a:ext cx="2812901" cy="523220"/>
           </a:xfrm>
           <a:prstGeom prst="rect">
             <a:avLst/>
@@ -6632,46 +7057,18 @@
           <a:p>
             <a:pPr algn="l"/>
             <a:r>
-              <a:rPr lang="en-US" sz="1400" b="0" i="1" dirty="0"/>
-              <a:t>Zntn37</a:t>
-            </a:r>
-            <a:r>
               <a:rPr lang="en-US" sz="1400" b="0" dirty="0"/>
-              <a:t> (0.87)</a:t>
+              <a:t>Ppp2ca (0.89)</a:t>
             </a:r>
           </a:p>
           <a:p>
             <a:pPr algn="l"/>
-            <a:r>
-              <a:rPr lang="en-US" sz="1400" b="0" i="1" dirty="0"/>
-              <a:t>Zfp953</a:t>
-            </a:r>
-            <a:r>
-              <a:rPr lang="en-US" sz="1400" b="0" dirty="0"/>
-              <a:t> (0.86)</a:t>
-            </a:r>
-          </a:p>
-          <a:p>
-            <a:endParaRPr lang="en-US" sz="1400" dirty="0"/>
-          </a:p>
-          <a:p>
-            <a:r>
-              <a:rPr lang="en-US" sz="1400" i="1" dirty="0"/>
-              <a:t>Runx2</a:t>
-            </a:r>
+            <a:endParaRPr lang="en-US" sz="1400" i="1" dirty="0"/>
+          </a:p>
+          <a:p>
             <a:r>
               <a:rPr lang="en-US" sz="1400" dirty="0"/>
-              <a:t> (0.86)</a:t>
-            </a:r>
-          </a:p>
-          <a:p>
-            <a:r>
-              <a:rPr lang="en-US" sz="1400" i="1" dirty="0"/>
-              <a:t>Aqp7 </a:t>
-            </a:r>
-            <a:r>
-              <a:rPr lang="en-US" sz="1400" dirty="0"/>
-              <a:t>(0.85)</a:t>
+              <a:t>Atp5j2 (0.88)</a:t>
             </a:r>
           </a:p>
         </p:txBody>
@@ -6947,6 +7344,2980 @@
     <p:extLst>
       <p:ext uri="{BB962C8B-B14F-4D97-AF65-F5344CB8AC3E}">
         <p14:creationId xmlns:p14="http://schemas.microsoft.com/office/powerpoint/2010/main" val="2415045343"/>
+      </p:ext>
+    </p:extLst>
+  </p:cSld>
+  <p:clrMapOvr>
+    <a:masterClrMapping/>
+  </p:clrMapOvr>
+</p:sld>
+</file>
+
+<file path=ppt/slides/slide2.xml><?xml version="1.0" encoding="utf-8"?>
+<p:sld xmlns:a="http://schemas.openxmlformats.org/drawingml/2006/main" xmlns:r="http://schemas.openxmlformats.org/officeDocument/2006/relationships" xmlns:p="http://schemas.openxmlformats.org/presentationml/2006/main">
+  <p:cSld>
+    <p:spTree>
+      <p:nvGrpSpPr>
+        <p:cNvPr id="1" name=""/>
+        <p:cNvGrpSpPr/>
+        <p:nvPr/>
+      </p:nvGrpSpPr>
+      <p:grpSpPr>
+        <a:xfrm>
+          <a:off x="0" y="0"/>
+          <a:ext cx="0" cy="0"/>
+          <a:chOff x="0" y="0"/>
+          <a:chExt cx="0" cy="0"/>
+        </a:xfrm>
+      </p:grpSpPr>
+      <p:pic>
+        <p:nvPicPr>
+          <p:cNvPr id="2" name="Picture 1">
+            <a:extLst>
+              <a:ext uri="{FF2B5EF4-FFF2-40B4-BE49-F238E27FC236}">
+                <a16:creationId xmlns:a16="http://schemas.microsoft.com/office/drawing/2014/main" id="{594770FB-9DDA-0545-4417-1A368F157D1E}"/>
+              </a:ext>
+            </a:extLst>
+          </p:cNvPr>
+          <p:cNvPicPr>
+            <a:picLocks noChangeAspect="1"/>
+          </p:cNvPicPr>
+          <p:nvPr/>
+        </p:nvPicPr>
+        <p:blipFill>
+          <a:blip r:embed="rId3">
+            <a:extLst>
+              <a:ext uri="{28A0092B-C50C-407E-A947-70E740481C1C}">
+                <a14:useLocalDpi xmlns:a14="http://schemas.microsoft.com/office/drawing/2010/main" val="0"/>
+              </a:ext>
+            </a:extLst>
+          </a:blip>
+          <a:stretch>
+            <a:fillRect/>
+          </a:stretch>
+        </p:blipFill>
+        <p:spPr>
+          <a:xfrm>
+            <a:off x="10099306" y="503571"/>
+            <a:ext cx="2743200" cy="2743200"/>
+          </a:xfrm>
+          <a:prstGeom prst="rect">
+            <a:avLst/>
+          </a:prstGeom>
+        </p:spPr>
+      </p:pic>
+      <p:graphicFrame>
+        <p:nvGraphicFramePr>
+          <p:cNvPr id="43" name="Table 42">
+            <a:extLst>
+              <a:ext uri="{FF2B5EF4-FFF2-40B4-BE49-F238E27FC236}">
+                <a16:creationId xmlns:a16="http://schemas.microsoft.com/office/drawing/2014/main" id="{3A826801-B648-5DC1-C828-344D93D48F40}"/>
+              </a:ext>
+            </a:extLst>
+          </p:cNvPr>
+          <p:cNvGraphicFramePr>
+            <a:graphicFrameLocks noGrp="1"/>
+          </p:cNvGraphicFramePr>
+          <p:nvPr>
+            <p:extLst>
+              <p:ext uri="{D42A27DB-BD31-4B8C-83A1-F6EECF244321}">
+                <p14:modId xmlns:p14="http://schemas.microsoft.com/office/powerpoint/2010/main" val="2176729146"/>
+              </p:ext>
+            </p:extLst>
+          </p:nvPr>
+        </p:nvGraphicFramePr>
+        <p:xfrm>
+          <a:off x="658596" y="494519"/>
+          <a:ext cx="12258228" cy="5054941"/>
+        </p:xfrm>
+        <a:graphic>
+          <a:graphicData uri="http://schemas.openxmlformats.org/drawingml/2006/table">
+            <a:tbl>
+              <a:tblPr firstRow="1" bandRow="1">
+                <a:tableStyleId>{5C22544A-7EE6-4342-B048-85BDC9FD1C3A}</a:tableStyleId>
+              </a:tblPr>
+              <a:tblGrid>
+                <a:gridCol w="938684">
+                  <a:extLst>
+                    <a:ext uri="{9D8B030D-6E8A-4147-A177-3AD203B41FA5}">
+                      <a16:colId xmlns:a16="http://schemas.microsoft.com/office/drawing/2014/main" val="4067845537"/>
+                    </a:ext>
+                  </a:extLst>
+                </a:gridCol>
+                <a:gridCol w="2829886">
+                  <a:extLst>
+                    <a:ext uri="{9D8B030D-6E8A-4147-A177-3AD203B41FA5}">
+                      <a16:colId xmlns:a16="http://schemas.microsoft.com/office/drawing/2014/main" val="1168612442"/>
+                    </a:ext>
+                  </a:extLst>
+                </a:gridCol>
+                <a:gridCol w="2829886">
+                  <a:extLst>
+                    <a:ext uri="{9D8B030D-6E8A-4147-A177-3AD203B41FA5}">
+                      <a16:colId xmlns:a16="http://schemas.microsoft.com/office/drawing/2014/main" val="1384549324"/>
+                    </a:ext>
+                  </a:extLst>
+                </a:gridCol>
+                <a:gridCol w="2829886">
+                  <a:extLst>
+                    <a:ext uri="{9D8B030D-6E8A-4147-A177-3AD203B41FA5}">
+                      <a16:colId xmlns:a16="http://schemas.microsoft.com/office/drawing/2014/main" val="1145856294"/>
+                    </a:ext>
+                  </a:extLst>
+                </a:gridCol>
+                <a:gridCol w="2829886">
+                  <a:extLst>
+                    <a:ext uri="{9D8B030D-6E8A-4147-A177-3AD203B41FA5}">
+                      <a16:colId xmlns:a16="http://schemas.microsoft.com/office/drawing/2014/main" val="3818997497"/>
+                    </a:ext>
+                  </a:extLst>
+                </a:gridCol>
+              </a:tblGrid>
+              <a:tr h="2747111">
+                <a:tc>
+                  <a:txBody>
+                    <a:bodyPr/>
+                    <a:lstStyle/>
+                    <a:p>
+                      <a:pPr algn="ctr"/>
+                      <a:r>
+                        <a:rPr lang="en-US" sz="2000" b="0" dirty="0">
+                          <a:solidFill>
+                            <a:schemeClr val="tx1"/>
+                          </a:solidFill>
+                        </a:rPr>
+                        <a:t>Module: # of genes</a:t>
+                      </a:r>
+                    </a:p>
+                  </a:txBody>
+                  <a:tcPr vert="vert270">
+                    <a:lnR w="12700" cap="flat" cmpd="sng" algn="ctr">
+                      <a:solidFill>
+                        <a:schemeClr val="tx1"/>
+                      </a:solidFill>
+                      <a:prstDash val="solid"/>
+                      <a:round/>
+                      <a:headEnd type="none" w="med" len="med"/>
+                      <a:tailEnd type="none" w="med" len="med"/>
+                    </a:lnR>
+                    <a:lnB w="12700" cap="flat" cmpd="sng" algn="ctr">
+                      <a:solidFill>
+                        <a:schemeClr val="tx1"/>
+                      </a:solidFill>
+                      <a:prstDash val="solid"/>
+                      <a:round/>
+                      <a:headEnd type="none" w="med" len="med"/>
+                      <a:tailEnd type="none" w="med" len="med"/>
+                    </a:lnB>
+                    <a:noFill/>
+                  </a:tcPr>
+                </a:tc>
+                <a:tc>
+                  <a:txBody>
+                    <a:bodyPr/>
+                    <a:lstStyle/>
+                    <a:p>
+                      <a:pPr algn="ctr"/>
+                      <a:endParaRPr lang="en-US" sz="2000" b="0" dirty="0"/>
+                    </a:p>
+                  </a:txBody>
+                  <a:tcPr>
+                    <a:lnL w="12700" cap="flat" cmpd="sng" algn="ctr">
+                      <a:solidFill>
+                        <a:schemeClr val="tx1"/>
+                      </a:solidFill>
+                      <a:prstDash val="solid"/>
+                      <a:round/>
+                      <a:headEnd type="none" w="med" len="med"/>
+                      <a:tailEnd type="none" w="med" len="med"/>
+                    </a:lnL>
+                    <a:lnR w="12700" cap="flat" cmpd="sng" algn="ctr">
+                      <a:solidFill>
+                        <a:schemeClr val="tx1"/>
+                      </a:solidFill>
+                      <a:prstDash val="solid"/>
+                      <a:round/>
+                      <a:headEnd type="none" w="med" len="med"/>
+                      <a:tailEnd type="none" w="med" len="med"/>
+                    </a:lnR>
+                    <a:lnB w="12700" cap="flat" cmpd="sng" algn="ctr">
+                      <a:solidFill>
+                        <a:schemeClr val="tx1"/>
+                      </a:solidFill>
+                      <a:prstDash val="solid"/>
+                      <a:round/>
+                      <a:headEnd type="none" w="med" len="med"/>
+                      <a:tailEnd type="none" w="med" len="med"/>
+                    </a:lnB>
+                    <a:noFill/>
+                  </a:tcPr>
+                </a:tc>
+                <a:tc>
+                  <a:txBody>
+                    <a:bodyPr/>
+                    <a:lstStyle/>
+                    <a:p>
+                      <a:pPr algn="ctr"/>
+                      <a:endParaRPr lang="en-US" sz="2000" b="0" dirty="0"/>
+                    </a:p>
+                  </a:txBody>
+                  <a:tcPr>
+                    <a:lnL w="12700" cap="flat" cmpd="sng" algn="ctr">
+                      <a:solidFill>
+                        <a:schemeClr val="tx1"/>
+                      </a:solidFill>
+                      <a:prstDash val="solid"/>
+                      <a:round/>
+                      <a:headEnd type="none" w="med" len="med"/>
+                      <a:tailEnd type="none" w="med" len="med"/>
+                    </a:lnL>
+                    <a:lnR w="12700" cap="flat" cmpd="sng" algn="ctr">
+                      <a:solidFill>
+                        <a:schemeClr val="tx1"/>
+                      </a:solidFill>
+                      <a:prstDash val="solid"/>
+                      <a:round/>
+                      <a:headEnd type="none" w="med" len="med"/>
+                      <a:tailEnd type="none" w="med" len="med"/>
+                    </a:lnR>
+                    <a:lnB w="12700" cap="flat" cmpd="sng" algn="ctr">
+                      <a:solidFill>
+                        <a:schemeClr val="tx1"/>
+                      </a:solidFill>
+                      <a:prstDash val="solid"/>
+                      <a:round/>
+                      <a:headEnd type="none" w="med" len="med"/>
+                      <a:tailEnd type="none" w="med" len="med"/>
+                    </a:lnB>
+                    <a:noFill/>
+                  </a:tcPr>
+                </a:tc>
+                <a:tc>
+                  <a:txBody>
+                    <a:bodyPr/>
+                    <a:lstStyle/>
+                    <a:p>
+                      <a:pPr algn="ctr"/>
+                      <a:endParaRPr lang="en-US" sz="2000" b="0" dirty="0"/>
+                    </a:p>
+                  </a:txBody>
+                  <a:tcPr>
+                    <a:lnL w="12700" cap="flat" cmpd="sng" algn="ctr">
+                      <a:solidFill>
+                        <a:schemeClr val="tx1"/>
+                      </a:solidFill>
+                      <a:prstDash val="solid"/>
+                      <a:round/>
+                      <a:headEnd type="none" w="med" len="med"/>
+                      <a:tailEnd type="none" w="med" len="med"/>
+                    </a:lnL>
+                    <a:lnR w="12700" cap="flat" cmpd="sng" algn="ctr">
+                      <a:solidFill>
+                        <a:schemeClr val="tx1"/>
+                      </a:solidFill>
+                      <a:prstDash val="solid"/>
+                      <a:round/>
+                      <a:headEnd type="none" w="med" len="med"/>
+                      <a:tailEnd type="none" w="med" len="med"/>
+                    </a:lnR>
+                    <a:lnB w="12700" cap="flat" cmpd="sng" algn="ctr">
+                      <a:solidFill>
+                        <a:schemeClr val="tx1"/>
+                      </a:solidFill>
+                      <a:prstDash val="solid"/>
+                      <a:round/>
+                      <a:headEnd type="none" w="med" len="med"/>
+                      <a:tailEnd type="none" w="med" len="med"/>
+                    </a:lnB>
+                    <a:noFill/>
+                  </a:tcPr>
+                </a:tc>
+                <a:tc>
+                  <a:txBody>
+                    <a:bodyPr/>
+                    <a:lstStyle/>
+                    <a:p>
+                      <a:pPr algn="ctr"/>
+                      <a:endParaRPr lang="en-US" sz="2000" b="0" dirty="0"/>
+                    </a:p>
+                  </a:txBody>
+                  <a:tcPr>
+                    <a:lnL w="12700" cap="flat" cmpd="sng" algn="ctr">
+                      <a:solidFill>
+                        <a:schemeClr val="tx1"/>
+                      </a:solidFill>
+                      <a:prstDash val="solid"/>
+                      <a:round/>
+                      <a:headEnd type="none" w="med" len="med"/>
+                      <a:tailEnd type="none" w="med" len="med"/>
+                    </a:lnL>
+                    <a:lnB w="12700" cap="flat" cmpd="sng" algn="ctr">
+                      <a:solidFill>
+                        <a:schemeClr val="tx1"/>
+                      </a:solidFill>
+                      <a:prstDash val="solid"/>
+                      <a:round/>
+                      <a:headEnd type="none" w="med" len="med"/>
+                      <a:tailEnd type="none" w="med" len="med"/>
+                    </a:lnB>
+                    <a:noFill/>
+                  </a:tcPr>
+                </a:tc>
+                <a:extLst>
+                  <a:ext uri="{0D108BD9-81ED-4DB2-BD59-A6C34878D82A}">
+                    <a16:rowId xmlns:a16="http://schemas.microsoft.com/office/drawing/2014/main" val="395369048"/>
+                  </a:ext>
+                </a:extLst>
+              </a:tr>
+              <a:tr h="1180092">
+                <a:tc>
+                  <a:txBody>
+                    <a:bodyPr/>
+                    <a:lstStyle/>
+                    <a:p>
+                      <a:pPr algn="ctr"/>
+                      <a:r>
+                        <a:rPr lang="en-US" sz="2000" b="0" dirty="0"/>
+                        <a:t>GO-TERMS (BP)</a:t>
+                      </a:r>
+                    </a:p>
+                  </a:txBody>
+                  <a:tcPr vert="vert270">
+                    <a:lnR w="12700" cap="flat" cmpd="sng" algn="ctr">
+                      <a:solidFill>
+                        <a:schemeClr val="tx1"/>
+                      </a:solidFill>
+                      <a:prstDash val="solid"/>
+                      <a:round/>
+                      <a:headEnd type="none" w="med" len="med"/>
+                      <a:tailEnd type="none" w="med" len="med"/>
+                    </a:lnR>
+                    <a:lnT w="12700" cap="flat" cmpd="sng" algn="ctr">
+                      <a:solidFill>
+                        <a:schemeClr val="tx1"/>
+                      </a:solidFill>
+                      <a:prstDash val="solid"/>
+                      <a:round/>
+                      <a:headEnd type="none" w="med" len="med"/>
+                      <a:tailEnd type="none" w="med" len="med"/>
+                    </a:lnT>
+                    <a:lnB w="12700" cap="flat" cmpd="sng" algn="ctr">
+                      <a:solidFill>
+                        <a:schemeClr val="tx1"/>
+                      </a:solidFill>
+                      <a:prstDash val="solid"/>
+                      <a:round/>
+                      <a:headEnd type="none" w="med" len="med"/>
+                      <a:tailEnd type="none" w="med" len="med"/>
+                    </a:lnB>
+                    <a:noFill/>
+                  </a:tcPr>
+                </a:tc>
+                <a:tc>
+                  <a:txBody>
+                    <a:bodyPr/>
+                    <a:lstStyle/>
+                    <a:p>
+                      <a:pPr marL="0" lvl="0" indent="0" algn="l">
+                        <a:buFont typeface="Arial" panose="020B0604020202020204" pitchFamily="34" charset="0"/>
+                        <a:buNone/>
+                      </a:pPr>
+                      <a:r>
+                        <a:rPr lang="en-US" sz="1400" b="0" dirty="0"/>
+                        <a:t>regulation of inflammatory response</a:t>
+                      </a:r>
+                    </a:p>
+                    <a:p>
+                      <a:pPr marL="0" lvl="0" indent="0" algn="l">
+                        <a:buFont typeface="Arial" panose="020B0604020202020204" pitchFamily="34" charset="0"/>
+                        <a:buNone/>
+                      </a:pPr>
+                      <a:r>
+                        <a:rPr lang="en-US" sz="1400" b="0" dirty="0"/>
+                        <a:t>cytokine-mediated signaling pathway</a:t>
+                      </a:r>
+                    </a:p>
+                    <a:p>
+                      <a:pPr marL="0" lvl="0" indent="0" algn="l">
+                        <a:buFont typeface="Arial" panose="020B0604020202020204" pitchFamily="34" charset="0"/>
+                        <a:buNone/>
+                      </a:pPr>
+                      <a:r>
+                        <a:rPr lang="en-US" sz="1400" b="0" dirty="0"/>
+                        <a:t>regulation of immune effector process</a:t>
+                      </a:r>
+                    </a:p>
+                    <a:p>
+                      <a:pPr marL="0" lvl="0" indent="0" algn="l">
+                        <a:buFont typeface="Arial" panose="020B0604020202020204" pitchFamily="34" charset="0"/>
+                        <a:buNone/>
+                      </a:pPr>
+                      <a:r>
+                        <a:rPr lang="en-US" sz="1400" b="0" dirty="0"/>
+                        <a:t>myeloid cell differentiation</a:t>
+                      </a:r>
+                    </a:p>
+                    <a:p>
+                      <a:pPr marL="0" lvl="0" indent="0" algn="l">
+                        <a:buFont typeface="Arial" panose="020B0604020202020204" pitchFamily="34" charset="0"/>
+                        <a:buNone/>
+                      </a:pPr>
+                      <a:r>
+                        <a:rPr lang="en-US" sz="1400" b="0" dirty="0"/>
+                        <a:t>leukocyte migration</a:t>
+                      </a:r>
+                    </a:p>
+                  </a:txBody>
+                  <a:tcPr anchor="ctr">
+                    <a:lnL w="12700" cap="flat" cmpd="sng" algn="ctr">
+                      <a:solidFill>
+                        <a:schemeClr val="tx1"/>
+                      </a:solidFill>
+                      <a:prstDash val="solid"/>
+                      <a:round/>
+                      <a:headEnd type="none" w="med" len="med"/>
+                      <a:tailEnd type="none" w="med" len="med"/>
+                    </a:lnL>
+                    <a:lnR w="12700" cap="flat" cmpd="sng" algn="ctr">
+                      <a:solidFill>
+                        <a:schemeClr val="tx1"/>
+                      </a:solidFill>
+                      <a:prstDash val="solid"/>
+                      <a:round/>
+                      <a:headEnd type="none" w="med" len="med"/>
+                      <a:tailEnd type="none" w="med" len="med"/>
+                    </a:lnR>
+                    <a:lnT w="12700" cap="flat" cmpd="sng" algn="ctr">
+                      <a:solidFill>
+                        <a:schemeClr val="tx1"/>
+                      </a:solidFill>
+                      <a:prstDash val="solid"/>
+                      <a:round/>
+                      <a:headEnd type="none" w="med" len="med"/>
+                      <a:tailEnd type="none" w="med" len="med"/>
+                    </a:lnT>
+                    <a:lnB w="12700" cap="flat" cmpd="sng" algn="ctr">
+                      <a:solidFill>
+                        <a:schemeClr val="tx1"/>
+                      </a:solidFill>
+                      <a:prstDash val="solid"/>
+                      <a:round/>
+                      <a:headEnd type="none" w="med" len="med"/>
+                      <a:tailEnd type="none" w="med" len="med"/>
+                    </a:lnB>
+                    <a:noFill/>
+                  </a:tcPr>
+                </a:tc>
+                <a:tc>
+                  <a:txBody>
+                    <a:bodyPr/>
+                    <a:lstStyle/>
+                    <a:p>
+                      <a:pPr marL="0" indent="0" algn="l">
+                        <a:buFont typeface="Arial" panose="020B0604020202020204" pitchFamily="34" charset="0"/>
+                        <a:buNone/>
+                      </a:pPr>
+                      <a:r>
+                        <a:rPr lang="en-US" sz="1400" b="0" dirty="0"/>
+                        <a:t>lipid modification</a:t>
+                      </a:r>
+                    </a:p>
+                    <a:p>
+                      <a:pPr marL="0" indent="0" algn="l">
+                        <a:buFont typeface="Arial" panose="020B0604020202020204" pitchFamily="34" charset="0"/>
+                        <a:buNone/>
+                      </a:pPr>
+                      <a:r>
+                        <a:rPr lang="en-US" sz="1400" b="0" dirty="0" err="1"/>
+                        <a:t>glycerolipid</a:t>
+                      </a:r>
+                      <a:r>
+                        <a:rPr lang="en-US" sz="1400" b="0" dirty="0"/>
+                        <a:t> metabolic process</a:t>
+                      </a:r>
+                    </a:p>
+                    <a:p>
+                      <a:pPr marL="0" indent="0" algn="l">
+                        <a:buFont typeface="Arial" panose="020B0604020202020204" pitchFamily="34" charset="0"/>
+                        <a:buNone/>
+                      </a:pPr>
+                      <a:r>
+                        <a:rPr lang="en-US" sz="1400" b="0" dirty="0"/>
+                        <a:t>cellular carbohydrate metabolic process</a:t>
+                      </a:r>
+                    </a:p>
+                    <a:p>
+                      <a:pPr marL="0" indent="0" algn="l">
+                        <a:buFont typeface="Arial" panose="020B0604020202020204" pitchFamily="34" charset="0"/>
+                        <a:buNone/>
+                      </a:pPr>
+                      <a:r>
+                        <a:rPr lang="en-US" sz="1400" b="0" dirty="0"/>
+                        <a:t>cellular lipid catabolic process</a:t>
+                      </a:r>
+                    </a:p>
+                    <a:p>
+                      <a:pPr marL="0" indent="0" algn="l">
+                        <a:buFont typeface="Arial" panose="020B0604020202020204" pitchFamily="34" charset="0"/>
+                        <a:buNone/>
+                      </a:pPr>
+                      <a:r>
+                        <a:rPr lang="en-US" sz="1400" b="0" dirty="0"/>
+                        <a:t>cellular ketone metabolic process</a:t>
+                      </a:r>
+                    </a:p>
+                  </a:txBody>
+                  <a:tcPr>
+                    <a:lnL w="12700" cap="flat" cmpd="sng" algn="ctr">
+                      <a:solidFill>
+                        <a:schemeClr val="tx1"/>
+                      </a:solidFill>
+                      <a:prstDash val="solid"/>
+                      <a:round/>
+                      <a:headEnd type="none" w="med" len="med"/>
+                      <a:tailEnd type="none" w="med" len="med"/>
+                    </a:lnL>
+                    <a:lnR w="12700" cap="flat" cmpd="sng" algn="ctr">
+                      <a:solidFill>
+                        <a:schemeClr val="tx1"/>
+                      </a:solidFill>
+                      <a:prstDash val="solid"/>
+                      <a:round/>
+                      <a:headEnd type="none" w="med" len="med"/>
+                      <a:tailEnd type="none" w="med" len="med"/>
+                    </a:lnR>
+                    <a:lnT w="12700" cap="flat" cmpd="sng" algn="ctr">
+                      <a:solidFill>
+                        <a:schemeClr val="tx1"/>
+                      </a:solidFill>
+                      <a:prstDash val="solid"/>
+                      <a:round/>
+                      <a:headEnd type="none" w="med" len="med"/>
+                      <a:tailEnd type="none" w="med" len="med"/>
+                    </a:lnT>
+                    <a:lnB w="12700" cap="flat" cmpd="sng" algn="ctr">
+                      <a:solidFill>
+                        <a:schemeClr val="tx1"/>
+                      </a:solidFill>
+                      <a:prstDash val="solid"/>
+                      <a:round/>
+                      <a:headEnd type="none" w="med" len="med"/>
+                      <a:tailEnd type="none" w="med" len="med"/>
+                    </a:lnB>
+                    <a:noFill/>
+                  </a:tcPr>
+                </a:tc>
+                <a:tc>
+                  <a:txBody>
+                    <a:bodyPr/>
+                    <a:lstStyle/>
+                    <a:p>
+                      <a:pPr marL="0" marR="0" lvl="0" indent="0" algn="l" defTabSz="1371600" rtl="0" eaLnBrk="1" fontAlgn="auto" latinLnBrk="0" hangingPunct="1">
+                        <a:lnSpc>
+                          <a:spcPct val="100000"/>
+                        </a:lnSpc>
+                        <a:spcBef>
+                          <a:spcPts val="0"/>
+                        </a:spcBef>
+                        <a:spcAft>
+                          <a:spcPts val="0"/>
+                        </a:spcAft>
+                        <a:buClrTx/>
+                        <a:buSzTx/>
+                        <a:buFont typeface="Arial" panose="020B0604020202020204" pitchFamily="34" charset="0"/>
+                        <a:buNone/>
+                        <a:tabLst/>
+                        <a:defRPr/>
+                      </a:pPr>
+                      <a:r>
+                        <a:rPr lang="en-US" sz="1400" b="0" dirty="0"/>
+                        <a:t>regulation of synapse organization</a:t>
+                      </a:r>
+                    </a:p>
+                    <a:p>
+                      <a:pPr marL="0" indent="0" algn="l">
+                        <a:buFont typeface="Arial" panose="020B0604020202020204" pitchFamily="34" charset="0"/>
+                        <a:buNone/>
+                      </a:pPr>
+                      <a:r>
+                        <a:rPr lang="en-US" sz="1400" b="0" dirty="0"/>
+                        <a:t>cell-cell signaling by </a:t>
+                      </a:r>
+                      <a:r>
+                        <a:rPr lang="en-US" sz="1400" b="0" dirty="0" err="1"/>
+                        <a:t>wnt</a:t>
+                      </a:r>
+                      <a:endParaRPr lang="en-US" sz="1400" b="0" dirty="0"/>
+                    </a:p>
+                    <a:p>
+                      <a:pPr marL="0" indent="0" algn="l">
+                        <a:buFont typeface="Arial" panose="020B0604020202020204" pitchFamily="34" charset="0"/>
+                        <a:buNone/>
+                      </a:pPr>
+                      <a:r>
+                        <a:rPr lang="en-US" sz="1400" b="0" dirty="0"/>
+                        <a:t>canonical </a:t>
+                      </a:r>
+                      <a:r>
+                        <a:rPr lang="en-US" sz="1400" b="0" dirty="0" err="1"/>
+                        <a:t>Wnt</a:t>
+                      </a:r>
+                      <a:r>
+                        <a:rPr lang="en-US" sz="1400" b="0" dirty="0"/>
+                        <a:t> signaling pathway</a:t>
+                      </a:r>
+                    </a:p>
+                    <a:p>
+                      <a:pPr marL="0" indent="0" algn="l">
+                        <a:buFont typeface="Arial" panose="020B0604020202020204" pitchFamily="34" charset="0"/>
+                        <a:buNone/>
+                      </a:pPr>
+                      <a:r>
+                        <a:rPr lang="en-US" sz="1400" b="0" dirty="0"/>
+                        <a:t>synaptic transmission, glutamatergic</a:t>
+                      </a:r>
+                    </a:p>
+                    <a:p>
+                      <a:pPr marL="0" indent="0" algn="l">
+                        <a:buFont typeface="Arial" panose="020B0604020202020204" pitchFamily="34" charset="0"/>
+                        <a:buNone/>
+                      </a:pPr>
+                      <a:endParaRPr lang="en-US" sz="1400" b="0" dirty="0"/>
+                    </a:p>
+                  </a:txBody>
+                  <a:tcPr>
+                    <a:lnL w="12700" cap="flat" cmpd="sng" algn="ctr">
+                      <a:solidFill>
+                        <a:schemeClr val="tx1"/>
+                      </a:solidFill>
+                      <a:prstDash val="solid"/>
+                      <a:round/>
+                      <a:headEnd type="none" w="med" len="med"/>
+                      <a:tailEnd type="none" w="med" len="med"/>
+                    </a:lnL>
+                    <a:lnR w="12700" cap="flat" cmpd="sng" algn="ctr">
+                      <a:solidFill>
+                        <a:schemeClr val="tx1"/>
+                      </a:solidFill>
+                      <a:prstDash val="solid"/>
+                      <a:round/>
+                      <a:headEnd type="none" w="med" len="med"/>
+                      <a:tailEnd type="none" w="med" len="med"/>
+                    </a:lnR>
+                    <a:lnT w="12700" cap="flat" cmpd="sng" algn="ctr">
+                      <a:solidFill>
+                        <a:schemeClr val="tx1"/>
+                      </a:solidFill>
+                      <a:prstDash val="solid"/>
+                      <a:round/>
+                      <a:headEnd type="none" w="med" len="med"/>
+                      <a:tailEnd type="none" w="med" len="med"/>
+                    </a:lnT>
+                    <a:lnB w="12700" cap="flat" cmpd="sng" algn="ctr">
+                      <a:solidFill>
+                        <a:schemeClr val="tx1"/>
+                      </a:solidFill>
+                      <a:prstDash val="solid"/>
+                      <a:round/>
+                      <a:headEnd type="none" w="med" len="med"/>
+                      <a:tailEnd type="none" w="med" len="med"/>
+                    </a:lnB>
+                    <a:noFill/>
+                  </a:tcPr>
+                </a:tc>
+                <a:tc>
+                  <a:txBody>
+                    <a:bodyPr/>
+                    <a:lstStyle/>
+                    <a:p>
+                      <a:pPr marL="0" indent="0" algn="l">
+                        <a:buFont typeface="Arial" panose="020B0604020202020204" pitchFamily="34" charset="0"/>
+                        <a:buNone/>
+                      </a:pPr>
+                      <a:r>
+                        <a:rPr lang="en-US" sz="1400" b="0" dirty="0"/>
+                        <a:t>generation of precursor metabolites and energy</a:t>
+                      </a:r>
+                    </a:p>
+                    <a:p>
+                      <a:pPr marL="0" indent="0" algn="l">
+                        <a:buFont typeface="Arial" panose="020B0604020202020204" pitchFamily="34" charset="0"/>
+                        <a:buNone/>
+                      </a:pPr>
+                      <a:r>
+                        <a:rPr lang="en-US" sz="1400" b="0" dirty="0"/>
+                        <a:t>energy derivation by oxidation of organic compounds</a:t>
+                      </a:r>
+                    </a:p>
+                    <a:p>
+                      <a:pPr marL="0" indent="0" algn="l">
+                        <a:buFont typeface="Arial" panose="020B0604020202020204" pitchFamily="34" charset="0"/>
+                        <a:buNone/>
+                      </a:pPr>
+                      <a:r>
+                        <a:rPr lang="en-US" sz="1400" b="0" dirty="0"/>
+                        <a:t>cellular respiration</a:t>
+                      </a:r>
+                    </a:p>
+                    <a:p>
+                      <a:pPr marL="0" indent="0" algn="l">
+                        <a:buFont typeface="Arial" panose="020B0604020202020204" pitchFamily="34" charset="0"/>
+                        <a:buNone/>
+                      </a:pPr>
+                      <a:r>
+                        <a:rPr lang="en-US" sz="1400" b="0" dirty="0"/>
+                        <a:t>ATP metabolic process</a:t>
+                      </a:r>
+                    </a:p>
+                    <a:p>
+                      <a:pPr marL="0" indent="0" algn="l">
+                        <a:buFont typeface="Arial" panose="020B0604020202020204" pitchFamily="34" charset="0"/>
+                        <a:buNone/>
+                      </a:pPr>
+                      <a:r>
+                        <a:rPr lang="en-US" sz="1400" b="0" dirty="0"/>
+                        <a:t>aerobic respiration</a:t>
+                      </a:r>
+                    </a:p>
+                  </a:txBody>
+                  <a:tcPr>
+                    <a:lnL w="12700" cap="flat" cmpd="sng" algn="ctr">
+                      <a:solidFill>
+                        <a:schemeClr val="tx1"/>
+                      </a:solidFill>
+                      <a:prstDash val="solid"/>
+                      <a:round/>
+                      <a:headEnd type="none" w="med" len="med"/>
+                      <a:tailEnd type="none" w="med" len="med"/>
+                    </a:lnL>
+                    <a:lnT w="12700" cap="flat" cmpd="sng" algn="ctr">
+                      <a:solidFill>
+                        <a:schemeClr val="tx1"/>
+                      </a:solidFill>
+                      <a:prstDash val="solid"/>
+                      <a:round/>
+                      <a:headEnd type="none" w="med" len="med"/>
+                      <a:tailEnd type="none" w="med" len="med"/>
+                    </a:lnT>
+                    <a:lnB w="12700" cap="flat" cmpd="sng" algn="ctr">
+                      <a:solidFill>
+                        <a:schemeClr val="tx1"/>
+                      </a:solidFill>
+                      <a:prstDash val="solid"/>
+                      <a:round/>
+                      <a:headEnd type="none" w="med" len="med"/>
+                      <a:tailEnd type="none" w="med" len="med"/>
+                    </a:lnB>
+                    <a:noFill/>
+                  </a:tcPr>
+                </a:tc>
+                <a:extLst>
+                  <a:ext uri="{0D108BD9-81ED-4DB2-BD59-A6C34878D82A}">
+                    <a16:rowId xmlns:a16="http://schemas.microsoft.com/office/drawing/2014/main" val="3018927216"/>
+                  </a:ext>
+                </a:extLst>
+              </a:tr>
+              <a:tr h="722870">
+                <a:tc>
+                  <a:txBody>
+                    <a:bodyPr/>
+                    <a:lstStyle/>
+                    <a:p>
+                      <a:pPr algn="ctr"/>
+                      <a:r>
+                        <a:rPr lang="en-US" sz="2000" b="0" dirty="0"/>
+                        <a:t>TOP MM</a:t>
+                      </a:r>
+                    </a:p>
+                  </a:txBody>
+                  <a:tcPr vert="vert270">
+                    <a:lnR w="12700" cap="flat" cmpd="sng" algn="ctr">
+                      <a:solidFill>
+                        <a:schemeClr val="tx1"/>
+                      </a:solidFill>
+                      <a:prstDash val="solid"/>
+                      <a:round/>
+                      <a:headEnd type="none" w="med" len="med"/>
+                      <a:tailEnd type="none" w="med" len="med"/>
+                    </a:lnR>
+                    <a:lnT w="12700" cap="flat" cmpd="sng" algn="ctr">
+                      <a:solidFill>
+                        <a:schemeClr val="tx1"/>
+                      </a:solidFill>
+                      <a:prstDash val="solid"/>
+                      <a:round/>
+                      <a:headEnd type="none" w="med" len="med"/>
+                      <a:tailEnd type="none" w="med" len="med"/>
+                    </a:lnT>
+                    <a:noFill/>
+                  </a:tcPr>
+                </a:tc>
+                <a:tc>
+                  <a:txBody>
+                    <a:bodyPr/>
+                    <a:lstStyle/>
+                    <a:p>
+                      <a:pPr algn="ctr"/>
+                      <a:endParaRPr lang="en-US" sz="2000" b="0" dirty="0"/>
+                    </a:p>
+                  </a:txBody>
+                  <a:tcPr>
+                    <a:lnL w="12700" cap="flat" cmpd="sng" algn="ctr">
+                      <a:solidFill>
+                        <a:schemeClr val="tx1"/>
+                      </a:solidFill>
+                      <a:prstDash val="solid"/>
+                      <a:round/>
+                      <a:headEnd type="none" w="med" len="med"/>
+                      <a:tailEnd type="none" w="med" len="med"/>
+                    </a:lnL>
+                    <a:lnR w="12700" cap="flat" cmpd="sng" algn="ctr">
+                      <a:solidFill>
+                        <a:schemeClr val="tx1"/>
+                      </a:solidFill>
+                      <a:prstDash val="solid"/>
+                      <a:round/>
+                      <a:headEnd type="none" w="med" len="med"/>
+                      <a:tailEnd type="none" w="med" len="med"/>
+                    </a:lnR>
+                    <a:lnT w="12700" cap="flat" cmpd="sng" algn="ctr">
+                      <a:solidFill>
+                        <a:schemeClr val="tx1"/>
+                      </a:solidFill>
+                      <a:prstDash val="solid"/>
+                      <a:round/>
+                      <a:headEnd type="none" w="med" len="med"/>
+                      <a:tailEnd type="none" w="med" len="med"/>
+                    </a:lnT>
+                    <a:noFill/>
+                  </a:tcPr>
+                </a:tc>
+                <a:tc>
+                  <a:txBody>
+                    <a:bodyPr/>
+                    <a:lstStyle/>
+                    <a:p>
+                      <a:pPr algn="ctr"/>
+                      <a:endParaRPr lang="en-US" sz="2000" b="0" dirty="0"/>
+                    </a:p>
+                  </a:txBody>
+                  <a:tcPr>
+                    <a:lnL w="12700" cap="flat" cmpd="sng" algn="ctr">
+                      <a:solidFill>
+                        <a:schemeClr val="tx1"/>
+                      </a:solidFill>
+                      <a:prstDash val="solid"/>
+                      <a:round/>
+                      <a:headEnd type="none" w="med" len="med"/>
+                      <a:tailEnd type="none" w="med" len="med"/>
+                    </a:lnL>
+                    <a:lnR w="12700" cap="flat" cmpd="sng" algn="ctr">
+                      <a:solidFill>
+                        <a:schemeClr val="tx1"/>
+                      </a:solidFill>
+                      <a:prstDash val="solid"/>
+                      <a:round/>
+                      <a:headEnd type="none" w="med" len="med"/>
+                      <a:tailEnd type="none" w="med" len="med"/>
+                    </a:lnR>
+                    <a:lnT w="12700" cap="flat" cmpd="sng" algn="ctr">
+                      <a:solidFill>
+                        <a:schemeClr val="tx1"/>
+                      </a:solidFill>
+                      <a:prstDash val="solid"/>
+                      <a:round/>
+                      <a:headEnd type="none" w="med" len="med"/>
+                      <a:tailEnd type="none" w="med" len="med"/>
+                    </a:lnT>
+                    <a:noFill/>
+                  </a:tcPr>
+                </a:tc>
+                <a:tc>
+                  <a:txBody>
+                    <a:bodyPr/>
+                    <a:lstStyle/>
+                    <a:p>
+                      <a:pPr algn="l"/>
+                      <a:endParaRPr lang="en-US" sz="1400" b="0" dirty="0"/>
+                    </a:p>
+                  </a:txBody>
+                  <a:tcPr>
+                    <a:lnL w="12700" cap="flat" cmpd="sng" algn="ctr">
+                      <a:solidFill>
+                        <a:schemeClr val="tx1"/>
+                      </a:solidFill>
+                      <a:prstDash val="solid"/>
+                      <a:round/>
+                      <a:headEnd type="none" w="med" len="med"/>
+                      <a:tailEnd type="none" w="med" len="med"/>
+                    </a:lnL>
+                    <a:lnR w="12700" cap="flat" cmpd="sng" algn="ctr">
+                      <a:solidFill>
+                        <a:schemeClr val="tx1"/>
+                      </a:solidFill>
+                      <a:prstDash val="solid"/>
+                      <a:round/>
+                      <a:headEnd type="none" w="med" len="med"/>
+                      <a:tailEnd type="none" w="med" len="med"/>
+                    </a:lnR>
+                    <a:lnT w="12700" cap="flat" cmpd="sng" algn="ctr">
+                      <a:solidFill>
+                        <a:schemeClr val="tx1"/>
+                      </a:solidFill>
+                      <a:prstDash val="solid"/>
+                      <a:round/>
+                      <a:headEnd type="none" w="med" len="med"/>
+                      <a:tailEnd type="none" w="med" len="med"/>
+                    </a:lnT>
+                    <a:noFill/>
+                  </a:tcPr>
+                </a:tc>
+                <a:tc>
+                  <a:txBody>
+                    <a:bodyPr/>
+                    <a:lstStyle/>
+                    <a:p>
+                      <a:pPr algn="ctr"/>
+                      <a:endParaRPr lang="en-US" sz="2000" b="0" dirty="0"/>
+                    </a:p>
+                  </a:txBody>
+                  <a:tcPr>
+                    <a:lnL w="12700" cap="flat" cmpd="sng" algn="ctr">
+                      <a:solidFill>
+                        <a:schemeClr val="tx1"/>
+                      </a:solidFill>
+                      <a:prstDash val="solid"/>
+                      <a:round/>
+                      <a:headEnd type="none" w="med" len="med"/>
+                      <a:tailEnd type="none" w="med" len="med"/>
+                    </a:lnL>
+                    <a:lnT w="12700" cap="flat" cmpd="sng" algn="ctr">
+                      <a:solidFill>
+                        <a:schemeClr val="tx1"/>
+                      </a:solidFill>
+                      <a:prstDash val="solid"/>
+                      <a:round/>
+                      <a:headEnd type="none" w="med" len="med"/>
+                      <a:tailEnd type="none" w="med" len="med"/>
+                    </a:lnT>
+                    <a:noFill/>
+                  </a:tcPr>
+                </a:tc>
+                <a:extLst>
+                  <a:ext uri="{0D108BD9-81ED-4DB2-BD59-A6C34878D82A}">
+                    <a16:rowId xmlns:a16="http://schemas.microsoft.com/office/drawing/2014/main" val="2714122021"/>
+                  </a:ext>
+                </a:extLst>
+              </a:tr>
+            </a:tbl>
+          </a:graphicData>
+        </a:graphic>
+      </p:graphicFrame>
+      <p:grpSp>
+        <p:nvGrpSpPr>
+          <p:cNvPr id="19" name="Group 18">
+            <a:extLst>
+              <a:ext uri="{FF2B5EF4-FFF2-40B4-BE49-F238E27FC236}">
+                <a16:creationId xmlns:a16="http://schemas.microsoft.com/office/drawing/2014/main" id="{AE9F605D-AD65-D805-8DEA-42AF25985266}"/>
+              </a:ext>
+            </a:extLst>
+          </p:cNvPr>
+          <p:cNvGrpSpPr/>
+          <p:nvPr/>
+        </p:nvGrpSpPr>
+        <p:grpSpPr>
+          <a:xfrm>
+            <a:off x="1593722" y="517044"/>
+            <a:ext cx="8401048" cy="2743200"/>
+            <a:chOff x="528634" y="242884"/>
+            <a:chExt cx="8401048" cy="2743200"/>
+          </a:xfrm>
+        </p:grpSpPr>
+        <p:pic>
+          <p:nvPicPr>
+            <p:cNvPr id="20" name="Picture 19">
+              <a:extLst>
+                <a:ext uri="{FF2B5EF4-FFF2-40B4-BE49-F238E27FC236}">
+                  <a16:creationId xmlns:a16="http://schemas.microsoft.com/office/drawing/2014/main" id="{0EEBCDEB-4062-E901-C08D-B311631E2FF7}"/>
+                </a:ext>
+              </a:extLst>
+            </p:cNvPr>
+            <p:cNvPicPr>
+              <a:picLocks noChangeAspect="1"/>
+            </p:cNvPicPr>
+            <p:nvPr/>
+          </p:nvPicPr>
+          <p:blipFill>
+            <a:blip r:embed="rId4">
+              <a:extLst>
+                <a:ext uri="{28A0092B-C50C-407E-A947-70E740481C1C}">
+                  <a14:useLocalDpi xmlns:a14="http://schemas.microsoft.com/office/drawing/2010/main" val="0"/>
+                </a:ext>
+              </a:extLst>
+            </a:blip>
+            <a:stretch>
+              <a:fillRect/>
+            </a:stretch>
+          </p:blipFill>
+          <p:spPr>
+            <a:xfrm>
+              <a:off x="6186482" y="242884"/>
+              <a:ext cx="2743200" cy="2743200"/>
+            </a:xfrm>
+            <a:prstGeom prst="rect">
+              <a:avLst/>
+            </a:prstGeom>
+          </p:spPr>
+        </p:pic>
+        <p:pic>
+          <p:nvPicPr>
+            <p:cNvPr id="21" name="Picture 20">
+              <a:extLst>
+                <a:ext uri="{FF2B5EF4-FFF2-40B4-BE49-F238E27FC236}">
+                  <a16:creationId xmlns:a16="http://schemas.microsoft.com/office/drawing/2014/main" id="{0F5CB542-99CF-9C2F-78E2-A45FE7328B68}"/>
+                </a:ext>
+              </a:extLst>
+            </p:cNvPr>
+            <p:cNvPicPr>
+              <a:picLocks noChangeAspect="1"/>
+            </p:cNvPicPr>
+            <p:nvPr/>
+          </p:nvPicPr>
+          <p:blipFill>
+            <a:blip r:embed="rId5">
+              <a:extLst>
+                <a:ext uri="{28A0092B-C50C-407E-A947-70E740481C1C}">
+                  <a14:useLocalDpi xmlns:a14="http://schemas.microsoft.com/office/drawing/2010/main" val="0"/>
+                </a:ext>
+              </a:extLst>
+            </a:blip>
+            <a:stretch>
+              <a:fillRect/>
+            </a:stretch>
+          </p:blipFill>
+          <p:spPr>
+            <a:xfrm>
+              <a:off x="3357558" y="242884"/>
+              <a:ext cx="2743200" cy="2743200"/>
+            </a:xfrm>
+            <a:prstGeom prst="rect">
+              <a:avLst/>
+            </a:prstGeom>
+          </p:spPr>
+        </p:pic>
+        <p:pic>
+          <p:nvPicPr>
+            <p:cNvPr id="22" name="Picture 21">
+              <a:extLst>
+                <a:ext uri="{FF2B5EF4-FFF2-40B4-BE49-F238E27FC236}">
+                  <a16:creationId xmlns:a16="http://schemas.microsoft.com/office/drawing/2014/main" id="{70038356-D1C7-1FD8-5B6E-D27DFAD3DB8E}"/>
+                </a:ext>
+              </a:extLst>
+            </p:cNvPr>
+            <p:cNvPicPr>
+              <a:picLocks noChangeAspect="1"/>
+            </p:cNvPicPr>
+            <p:nvPr/>
+          </p:nvPicPr>
+          <p:blipFill>
+            <a:blip r:embed="rId6">
+              <a:extLst>
+                <a:ext uri="{28A0092B-C50C-407E-A947-70E740481C1C}">
+                  <a14:useLocalDpi xmlns:a14="http://schemas.microsoft.com/office/drawing/2010/main" val="0"/>
+                </a:ext>
+              </a:extLst>
+            </a:blip>
+            <a:stretch>
+              <a:fillRect/>
+            </a:stretch>
+          </p:blipFill>
+          <p:spPr>
+            <a:xfrm>
+              <a:off x="528634" y="242884"/>
+              <a:ext cx="2743200" cy="2743200"/>
+            </a:xfrm>
+            <a:prstGeom prst="rect">
+              <a:avLst/>
+            </a:prstGeom>
+          </p:spPr>
+        </p:pic>
+      </p:grpSp>
+      <p:pic>
+        <p:nvPicPr>
+          <p:cNvPr id="26" name="Picture 25">
+            <a:extLst>
+              <a:ext uri="{FF2B5EF4-FFF2-40B4-BE49-F238E27FC236}">
+                <a16:creationId xmlns:a16="http://schemas.microsoft.com/office/drawing/2014/main" id="{9856BF9C-3F63-2199-36B1-952CCC8B1051}"/>
+              </a:ext>
+            </a:extLst>
+          </p:cNvPr>
+          <p:cNvPicPr>
+            <a:picLocks noChangeAspect="1"/>
+          </p:cNvPicPr>
+          <p:nvPr/>
+        </p:nvPicPr>
+        <p:blipFill>
+          <a:blip r:embed="rId7">
+            <a:extLst>
+              <a:ext uri="{28A0092B-C50C-407E-A947-70E740481C1C}">
+                <a14:useLocalDpi xmlns:a14="http://schemas.microsoft.com/office/drawing/2010/main" val="0"/>
+              </a:ext>
+            </a:extLst>
+          </a:blip>
+          <a:stretch>
+            <a:fillRect/>
+          </a:stretch>
+        </p:blipFill>
+        <p:spPr>
+          <a:xfrm>
+            <a:off x="1623745" y="5950161"/>
+            <a:ext cx="2743200" cy="2743200"/>
+          </a:xfrm>
+          <a:prstGeom prst="rect">
+            <a:avLst/>
+          </a:prstGeom>
+        </p:spPr>
+      </p:pic>
+      <p:sp>
+        <p:nvSpPr>
+          <p:cNvPr id="33" name="TextBox 32">
+            <a:extLst>
+              <a:ext uri="{FF2B5EF4-FFF2-40B4-BE49-F238E27FC236}">
+                <a16:creationId xmlns:a16="http://schemas.microsoft.com/office/drawing/2014/main" id="{89918647-0B1B-3424-2A7A-2D15B2EB787F}"/>
+              </a:ext>
+            </a:extLst>
+          </p:cNvPr>
+          <p:cNvSpPr txBox="1"/>
+          <p:nvPr/>
+        </p:nvSpPr>
+        <p:spPr>
+          <a:xfrm>
+            <a:off x="1671742" y="41907"/>
+            <a:ext cx="8232101" cy="461665"/>
+          </a:xfrm>
+          <a:prstGeom prst="rect">
+            <a:avLst/>
+          </a:prstGeom>
+          <a:solidFill>
+            <a:schemeClr val="bg1">
+              <a:lumMod val="85000"/>
+            </a:schemeClr>
+          </a:solidFill>
+        </p:spPr>
+        <p:txBody>
+          <a:bodyPr wrap="square" rtlCol="0">
+            <a:spAutoFit/>
+          </a:bodyPr>
+          <a:lstStyle/>
+          <a:p>
+            <a:pPr algn="ctr"/>
+            <a:r>
+              <a:rPr lang="en-US" sz="2400" dirty="0"/>
+              <a:t>A) DES Modules  </a:t>
+            </a:r>
+          </a:p>
+        </p:txBody>
+      </p:sp>
+      <p:sp>
+        <p:nvSpPr>
+          <p:cNvPr id="34" name="TextBox 33">
+            <a:extLst>
+              <a:ext uri="{FF2B5EF4-FFF2-40B4-BE49-F238E27FC236}">
+                <a16:creationId xmlns:a16="http://schemas.microsoft.com/office/drawing/2014/main" id="{347DD35A-B628-984E-D836-C83B76743BBA}"/>
+              </a:ext>
+            </a:extLst>
+          </p:cNvPr>
+          <p:cNvSpPr txBox="1"/>
+          <p:nvPr/>
+        </p:nvSpPr>
+        <p:spPr>
+          <a:xfrm>
+            <a:off x="10190233" y="47749"/>
+            <a:ext cx="2647070" cy="475136"/>
+          </a:xfrm>
+          <a:prstGeom prst="rect">
+            <a:avLst/>
+          </a:prstGeom>
+          <a:solidFill>
+            <a:schemeClr val="bg1">
+              <a:lumMod val="85000"/>
+            </a:schemeClr>
+          </a:solidFill>
+        </p:spPr>
+        <p:txBody>
+          <a:bodyPr wrap="square" rtlCol="0">
+            <a:spAutoFit/>
+          </a:bodyPr>
+          <a:lstStyle/>
+          <a:p>
+            <a:pPr algn="ctr"/>
+            <a:r>
+              <a:rPr lang="en-US" sz="2400" dirty="0"/>
+              <a:t>C) TRN Module  </a:t>
+            </a:r>
+          </a:p>
+        </p:txBody>
+      </p:sp>
+      <p:pic>
+        <p:nvPicPr>
+          <p:cNvPr id="24" name="Picture 23">
+            <a:extLst>
+              <a:ext uri="{FF2B5EF4-FFF2-40B4-BE49-F238E27FC236}">
+                <a16:creationId xmlns:a16="http://schemas.microsoft.com/office/drawing/2014/main" id="{919FDC1D-2D83-86C3-5066-5F0AB3308EC7}"/>
+              </a:ext>
+            </a:extLst>
+          </p:cNvPr>
+          <p:cNvPicPr>
+            <a:picLocks noChangeAspect="1"/>
+          </p:cNvPicPr>
+          <p:nvPr/>
+        </p:nvPicPr>
+        <p:blipFill>
+          <a:blip r:embed="rId8">
+            <a:extLst>
+              <a:ext uri="{28A0092B-C50C-407E-A947-70E740481C1C}">
+                <a14:useLocalDpi xmlns:a14="http://schemas.microsoft.com/office/drawing/2010/main" val="0"/>
+              </a:ext>
+            </a:extLst>
+          </a:blip>
+          <a:stretch>
+            <a:fillRect/>
+          </a:stretch>
+        </p:blipFill>
+        <p:spPr>
+          <a:xfrm>
+            <a:off x="4422646" y="5950161"/>
+            <a:ext cx="2743200" cy="2743200"/>
+          </a:xfrm>
+          <a:prstGeom prst="rect">
+            <a:avLst/>
+          </a:prstGeom>
+        </p:spPr>
+      </p:pic>
+      <p:sp>
+        <p:nvSpPr>
+          <p:cNvPr id="35" name="TextBox 34">
+            <a:extLst>
+              <a:ext uri="{FF2B5EF4-FFF2-40B4-BE49-F238E27FC236}">
+                <a16:creationId xmlns:a16="http://schemas.microsoft.com/office/drawing/2014/main" id="{582A5294-1513-EFBD-DC7E-2570B8814AA8}"/>
+              </a:ext>
+            </a:extLst>
+          </p:cNvPr>
+          <p:cNvSpPr txBox="1"/>
+          <p:nvPr/>
+        </p:nvSpPr>
+        <p:spPr>
+          <a:xfrm>
+            <a:off x="1671742" y="5459242"/>
+            <a:ext cx="5414452" cy="461665"/>
+          </a:xfrm>
+          <a:prstGeom prst="rect">
+            <a:avLst/>
+          </a:prstGeom>
+          <a:solidFill>
+            <a:schemeClr val="bg1">
+              <a:lumMod val="85000"/>
+            </a:schemeClr>
+          </a:solidFill>
+        </p:spPr>
+        <p:txBody>
+          <a:bodyPr wrap="square" rtlCol="0">
+            <a:spAutoFit/>
+          </a:bodyPr>
+          <a:lstStyle/>
+          <a:p>
+            <a:pPr algn="ctr"/>
+            <a:r>
+              <a:rPr lang="en-US" sz="2400" dirty="0"/>
+              <a:t>B) ASC Modules  </a:t>
+            </a:r>
+          </a:p>
+        </p:txBody>
+      </p:sp>
+      <p:graphicFrame>
+        <p:nvGraphicFramePr>
+          <p:cNvPr id="45" name="Table 44">
+            <a:extLst>
+              <a:ext uri="{FF2B5EF4-FFF2-40B4-BE49-F238E27FC236}">
+                <a16:creationId xmlns:a16="http://schemas.microsoft.com/office/drawing/2014/main" id="{51E9BCE5-727E-6350-71B6-6DD1D42ADAE0}"/>
+              </a:ext>
+            </a:extLst>
+          </p:cNvPr>
+          <p:cNvGraphicFramePr>
+            <a:graphicFrameLocks noGrp="1"/>
+          </p:cNvGraphicFramePr>
+          <p:nvPr>
+            <p:extLst>
+              <p:ext uri="{D42A27DB-BD31-4B8C-83A1-F6EECF244321}">
+                <p14:modId xmlns:p14="http://schemas.microsoft.com/office/powerpoint/2010/main" val="4103653034"/>
+              </p:ext>
+            </p:extLst>
+          </p:nvPr>
+        </p:nvGraphicFramePr>
+        <p:xfrm>
+          <a:off x="644742" y="5930929"/>
+          <a:ext cx="6598456" cy="4841581"/>
+        </p:xfrm>
+        <a:graphic>
+          <a:graphicData uri="http://schemas.openxmlformats.org/drawingml/2006/table">
+            <a:tbl>
+              <a:tblPr firstRow="1" bandRow="1">
+                <a:tableStyleId>{5C22544A-7EE6-4342-B048-85BDC9FD1C3A}</a:tableStyleId>
+              </a:tblPr>
+              <a:tblGrid>
+                <a:gridCol w="938684">
+                  <a:extLst>
+                    <a:ext uri="{9D8B030D-6E8A-4147-A177-3AD203B41FA5}">
+                      <a16:colId xmlns:a16="http://schemas.microsoft.com/office/drawing/2014/main" val="4067845537"/>
+                    </a:ext>
+                  </a:extLst>
+                </a:gridCol>
+                <a:gridCol w="2829886">
+                  <a:extLst>
+                    <a:ext uri="{9D8B030D-6E8A-4147-A177-3AD203B41FA5}">
+                      <a16:colId xmlns:a16="http://schemas.microsoft.com/office/drawing/2014/main" val="1168612442"/>
+                    </a:ext>
+                  </a:extLst>
+                </a:gridCol>
+                <a:gridCol w="2829886">
+                  <a:extLst>
+                    <a:ext uri="{9D8B030D-6E8A-4147-A177-3AD203B41FA5}">
+                      <a16:colId xmlns:a16="http://schemas.microsoft.com/office/drawing/2014/main" val="1384549324"/>
+                    </a:ext>
+                  </a:extLst>
+                </a:gridCol>
+              </a:tblGrid>
+              <a:tr h="2747111">
+                <a:tc>
+                  <a:txBody>
+                    <a:bodyPr/>
+                    <a:lstStyle/>
+                    <a:p>
+                      <a:pPr algn="ctr"/>
+                      <a:r>
+                        <a:rPr lang="en-US" sz="2000" b="0" dirty="0">
+                          <a:solidFill>
+                            <a:schemeClr val="tx1"/>
+                          </a:solidFill>
+                        </a:rPr>
+                        <a:t>Module: # of genes</a:t>
+                      </a:r>
+                    </a:p>
+                  </a:txBody>
+                  <a:tcPr vert="vert270">
+                    <a:lnR w="12700" cap="flat" cmpd="sng" algn="ctr">
+                      <a:solidFill>
+                        <a:schemeClr val="tx1"/>
+                      </a:solidFill>
+                      <a:prstDash val="solid"/>
+                      <a:round/>
+                      <a:headEnd type="none" w="med" len="med"/>
+                      <a:tailEnd type="none" w="med" len="med"/>
+                    </a:lnR>
+                    <a:lnB w="12700" cap="flat" cmpd="sng" algn="ctr">
+                      <a:solidFill>
+                        <a:schemeClr val="tx1"/>
+                      </a:solidFill>
+                      <a:prstDash val="solid"/>
+                      <a:round/>
+                      <a:headEnd type="none" w="med" len="med"/>
+                      <a:tailEnd type="none" w="med" len="med"/>
+                    </a:lnB>
+                    <a:noFill/>
+                  </a:tcPr>
+                </a:tc>
+                <a:tc>
+                  <a:txBody>
+                    <a:bodyPr/>
+                    <a:lstStyle/>
+                    <a:p>
+                      <a:pPr algn="ctr"/>
+                      <a:endParaRPr lang="en-US" sz="2000" b="0" dirty="0"/>
+                    </a:p>
+                  </a:txBody>
+                  <a:tcPr>
+                    <a:lnL w="12700" cap="flat" cmpd="sng" algn="ctr">
+                      <a:solidFill>
+                        <a:schemeClr val="tx1"/>
+                      </a:solidFill>
+                      <a:prstDash val="solid"/>
+                      <a:round/>
+                      <a:headEnd type="none" w="med" len="med"/>
+                      <a:tailEnd type="none" w="med" len="med"/>
+                    </a:lnL>
+                    <a:lnR w="12700" cap="flat" cmpd="sng" algn="ctr">
+                      <a:solidFill>
+                        <a:schemeClr val="tx1"/>
+                      </a:solidFill>
+                      <a:prstDash val="solid"/>
+                      <a:round/>
+                      <a:headEnd type="none" w="med" len="med"/>
+                      <a:tailEnd type="none" w="med" len="med"/>
+                    </a:lnR>
+                    <a:lnB w="12700" cap="flat" cmpd="sng" algn="ctr">
+                      <a:solidFill>
+                        <a:schemeClr val="tx1"/>
+                      </a:solidFill>
+                      <a:prstDash val="solid"/>
+                      <a:round/>
+                      <a:headEnd type="none" w="med" len="med"/>
+                      <a:tailEnd type="none" w="med" len="med"/>
+                    </a:lnB>
+                    <a:noFill/>
+                  </a:tcPr>
+                </a:tc>
+                <a:tc>
+                  <a:txBody>
+                    <a:bodyPr/>
+                    <a:lstStyle/>
+                    <a:p>
+                      <a:pPr algn="ctr"/>
+                      <a:endParaRPr lang="en-US" sz="2000" b="0" dirty="0"/>
+                    </a:p>
+                  </a:txBody>
+                  <a:tcPr>
+                    <a:lnL w="12700" cap="flat" cmpd="sng" algn="ctr">
+                      <a:solidFill>
+                        <a:schemeClr val="tx1"/>
+                      </a:solidFill>
+                      <a:prstDash val="solid"/>
+                      <a:round/>
+                      <a:headEnd type="none" w="med" len="med"/>
+                      <a:tailEnd type="none" w="med" len="med"/>
+                    </a:lnL>
+                    <a:lnR w="12700" cap="flat" cmpd="sng" algn="ctr">
+                      <a:solidFill>
+                        <a:schemeClr val="tx1"/>
+                      </a:solidFill>
+                      <a:prstDash val="solid"/>
+                      <a:round/>
+                      <a:headEnd type="none" w="med" len="med"/>
+                      <a:tailEnd type="none" w="med" len="med"/>
+                    </a:lnR>
+                    <a:lnB w="12700" cap="flat" cmpd="sng" algn="ctr">
+                      <a:solidFill>
+                        <a:schemeClr val="tx1"/>
+                      </a:solidFill>
+                      <a:prstDash val="solid"/>
+                      <a:round/>
+                      <a:headEnd type="none" w="med" len="med"/>
+                      <a:tailEnd type="none" w="med" len="med"/>
+                    </a:lnB>
+                    <a:noFill/>
+                  </a:tcPr>
+                </a:tc>
+                <a:extLst>
+                  <a:ext uri="{0D108BD9-81ED-4DB2-BD59-A6C34878D82A}">
+                    <a16:rowId xmlns:a16="http://schemas.microsoft.com/office/drawing/2014/main" val="395369048"/>
+                  </a:ext>
+                </a:extLst>
+              </a:tr>
+              <a:tr h="1307933">
+                <a:tc>
+                  <a:txBody>
+                    <a:bodyPr/>
+                    <a:lstStyle/>
+                    <a:p>
+                      <a:pPr algn="ctr"/>
+                      <a:r>
+                        <a:rPr lang="en-US" sz="2000" b="0" dirty="0"/>
+                        <a:t>GO-TERMS (BP)</a:t>
+                      </a:r>
+                    </a:p>
+                  </a:txBody>
+                  <a:tcPr vert="vert270">
+                    <a:lnR w="12700" cap="flat" cmpd="sng" algn="ctr">
+                      <a:solidFill>
+                        <a:schemeClr val="tx1"/>
+                      </a:solidFill>
+                      <a:prstDash val="solid"/>
+                      <a:round/>
+                      <a:headEnd type="none" w="med" len="med"/>
+                      <a:tailEnd type="none" w="med" len="med"/>
+                    </a:lnR>
+                    <a:lnT w="12700" cap="flat" cmpd="sng" algn="ctr">
+                      <a:solidFill>
+                        <a:schemeClr val="tx1"/>
+                      </a:solidFill>
+                      <a:prstDash val="solid"/>
+                      <a:round/>
+                      <a:headEnd type="none" w="med" len="med"/>
+                      <a:tailEnd type="none" w="med" len="med"/>
+                    </a:lnT>
+                    <a:lnB w="12700" cap="flat" cmpd="sng" algn="ctr">
+                      <a:solidFill>
+                        <a:schemeClr val="tx1"/>
+                      </a:solidFill>
+                      <a:prstDash val="solid"/>
+                      <a:round/>
+                      <a:headEnd type="none" w="med" len="med"/>
+                      <a:tailEnd type="none" w="med" len="med"/>
+                    </a:lnB>
+                    <a:noFill/>
+                  </a:tcPr>
+                </a:tc>
+                <a:tc>
+                  <a:txBody>
+                    <a:bodyPr/>
+                    <a:lstStyle/>
+                    <a:p>
+                      <a:pPr marL="0" indent="0" algn="l">
+                        <a:buFont typeface="Arial" panose="020B0604020202020204" pitchFamily="34" charset="0"/>
+                        <a:buNone/>
+                      </a:pPr>
+                      <a:r>
+                        <a:rPr lang="en-US" sz="1400" b="0" dirty="0"/>
+                        <a:t>histone modification</a:t>
+                      </a:r>
+                    </a:p>
+                    <a:p>
+                      <a:pPr marL="0" indent="0" algn="l">
+                        <a:buFont typeface="Arial" panose="020B0604020202020204" pitchFamily="34" charset="0"/>
+                        <a:buNone/>
+                      </a:pPr>
+                      <a:r>
+                        <a:rPr lang="en-US" sz="1400" b="0" dirty="0"/>
+                        <a:t>DNA recombination</a:t>
+                      </a:r>
+                    </a:p>
+                    <a:p>
+                      <a:pPr marL="0" indent="0" algn="l">
+                        <a:buFont typeface="Arial" panose="020B0604020202020204" pitchFamily="34" charset="0"/>
+                        <a:buNone/>
+                      </a:pPr>
+                      <a:r>
+                        <a:rPr lang="en-US" sz="1400" b="0" dirty="0"/>
+                        <a:t>methylation</a:t>
+                      </a:r>
+                    </a:p>
+                    <a:p>
+                      <a:pPr marL="0" indent="0" algn="l">
+                        <a:buFont typeface="Arial" panose="020B0604020202020204" pitchFamily="34" charset="0"/>
+                        <a:buNone/>
+                      </a:pPr>
+                      <a:r>
+                        <a:rPr lang="en-US" sz="1400" b="0" dirty="0"/>
+                        <a:t>ncRNA processing</a:t>
+                      </a:r>
+                    </a:p>
+                    <a:p>
+                      <a:pPr marL="0" indent="0" algn="l">
+                        <a:buFont typeface="Arial" panose="020B0604020202020204" pitchFamily="34" charset="0"/>
+                        <a:buNone/>
+                      </a:pPr>
+                      <a:r>
+                        <a:rPr lang="en-US" sz="1400" b="0" dirty="0"/>
+                        <a:t>regulation of cell cycle process</a:t>
+                      </a:r>
+                    </a:p>
+                  </a:txBody>
+                  <a:tcPr>
+                    <a:lnL w="12700" cap="flat" cmpd="sng" algn="ctr">
+                      <a:solidFill>
+                        <a:schemeClr val="tx1"/>
+                      </a:solidFill>
+                      <a:prstDash val="solid"/>
+                      <a:round/>
+                      <a:headEnd type="none" w="med" len="med"/>
+                      <a:tailEnd type="none" w="med" len="med"/>
+                    </a:lnL>
+                    <a:lnR w="12700" cap="flat" cmpd="sng" algn="ctr">
+                      <a:solidFill>
+                        <a:schemeClr val="tx1"/>
+                      </a:solidFill>
+                      <a:prstDash val="solid"/>
+                      <a:round/>
+                      <a:headEnd type="none" w="med" len="med"/>
+                      <a:tailEnd type="none" w="med" len="med"/>
+                    </a:lnR>
+                    <a:lnT w="12700" cap="flat" cmpd="sng" algn="ctr">
+                      <a:solidFill>
+                        <a:schemeClr val="tx1"/>
+                      </a:solidFill>
+                      <a:prstDash val="solid"/>
+                      <a:round/>
+                      <a:headEnd type="none" w="med" len="med"/>
+                      <a:tailEnd type="none" w="med" len="med"/>
+                    </a:lnT>
+                    <a:lnB w="12700" cap="flat" cmpd="sng" algn="ctr">
+                      <a:solidFill>
+                        <a:schemeClr val="tx1"/>
+                      </a:solidFill>
+                      <a:prstDash val="solid"/>
+                      <a:round/>
+                      <a:headEnd type="none" w="med" len="med"/>
+                      <a:tailEnd type="none" w="med" len="med"/>
+                    </a:lnB>
+                    <a:noFill/>
+                  </a:tcPr>
+                </a:tc>
+                <a:tc>
+                  <a:txBody>
+                    <a:bodyPr/>
+                    <a:lstStyle/>
+                    <a:p>
+                      <a:pPr marL="0" indent="0" algn="l">
+                        <a:buFont typeface="Arial" panose="020B0604020202020204" pitchFamily="34" charset="0"/>
+                        <a:buNone/>
+                      </a:pPr>
+                      <a:r>
+                        <a:rPr lang="en-US" sz="1400" b="0" dirty="0"/>
+                        <a:t>histone modification</a:t>
+                      </a:r>
+                    </a:p>
+                    <a:p>
+                      <a:pPr marL="0" indent="0" algn="l">
+                        <a:buFont typeface="Arial" panose="020B0604020202020204" pitchFamily="34" charset="0"/>
+                        <a:buNone/>
+                      </a:pPr>
+                      <a:r>
+                        <a:rPr lang="en-US" sz="1400" b="0" dirty="0"/>
+                        <a:t>peptidyl-lysine modification</a:t>
+                      </a:r>
+                    </a:p>
+                    <a:p>
+                      <a:pPr marL="0" indent="0" algn="l">
+                        <a:buFont typeface="Arial" panose="020B0604020202020204" pitchFamily="34" charset="0"/>
+                        <a:buNone/>
+                      </a:pPr>
+                      <a:r>
+                        <a:rPr lang="en-US" sz="1400" b="0" dirty="0"/>
+                        <a:t>methylation</a:t>
+                      </a:r>
+                    </a:p>
+                    <a:p>
+                      <a:pPr marL="0" indent="0" algn="l">
+                        <a:buFont typeface="Arial" panose="020B0604020202020204" pitchFamily="34" charset="0"/>
+                        <a:buNone/>
+                      </a:pPr>
+                      <a:r>
+                        <a:rPr lang="en-US" sz="1400" b="0" dirty="0"/>
+                        <a:t>regulation of translation</a:t>
+                      </a:r>
+                    </a:p>
+                    <a:p>
+                      <a:pPr marL="0" indent="0" algn="l">
+                        <a:buFont typeface="Arial" panose="020B0604020202020204" pitchFamily="34" charset="0"/>
+                        <a:buNone/>
+                      </a:pPr>
+                      <a:r>
+                        <a:rPr lang="en-US" sz="1400" b="0" dirty="0"/>
+                        <a:t>regulation of mRNA metabolic process</a:t>
+                      </a:r>
+                    </a:p>
+                  </a:txBody>
+                  <a:tcPr>
+                    <a:lnL w="12700" cap="flat" cmpd="sng" algn="ctr">
+                      <a:solidFill>
+                        <a:schemeClr val="tx1"/>
+                      </a:solidFill>
+                      <a:prstDash val="solid"/>
+                      <a:round/>
+                      <a:headEnd type="none" w="med" len="med"/>
+                      <a:tailEnd type="none" w="med" len="med"/>
+                    </a:lnL>
+                    <a:lnR w="12700" cap="flat" cmpd="sng" algn="ctr">
+                      <a:solidFill>
+                        <a:schemeClr val="tx1"/>
+                      </a:solidFill>
+                      <a:prstDash val="solid"/>
+                      <a:round/>
+                      <a:headEnd type="none" w="med" len="med"/>
+                      <a:tailEnd type="none" w="med" len="med"/>
+                    </a:lnR>
+                    <a:lnT w="12700" cap="flat" cmpd="sng" algn="ctr">
+                      <a:solidFill>
+                        <a:schemeClr val="tx1"/>
+                      </a:solidFill>
+                      <a:prstDash val="solid"/>
+                      <a:round/>
+                      <a:headEnd type="none" w="med" len="med"/>
+                      <a:tailEnd type="none" w="med" len="med"/>
+                    </a:lnT>
+                    <a:lnB w="12700" cap="flat" cmpd="sng" algn="ctr">
+                      <a:solidFill>
+                        <a:schemeClr val="tx1"/>
+                      </a:solidFill>
+                      <a:prstDash val="solid"/>
+                      <a:round/>
+                      <a:headEnd type="none" w="med" len="med"/>
+                      <a:tailEnd type="none" w="med" len="med"/>
+                    </a:lnB>
+                    <a:noFill/>
+                  </a:tcPr>
+                </a:tc>
+                <a:extLst>
+                  <a:ext uri="{0D108BD9-81ED-4DB2-BD59-A6C34878D82A}">
+                    <a16:rowId xmlns:a16="http://schemas.microsoft.com/office/drawing/2014/main" val="3018927216"/>
+                  </a:ext>
+                </a:extLst>
+              </a:tr>
+              <a:tr h="722870">
+                <a:tc>
+                  <a:txBody>
+                    <a:bodyPr/>
+                    <a:lstStyle/>
+                    <a:p>
+                      <a:pPr algn="ctr"/>
+                      <a:r>
+                        <a:rPr lang="en-US" sz="2000" b="0" dirty="0"/>
+                        <a:t>TOP MM</a:t>
+                      </a:r>
+                    </a:p>
+                  </a:txBody>
+                  <a:tcPr vert="vert270">
+                    <a:lnR w="12700" cap="flat" cmpd="sng" algn="ctr">
+                      <a:solidFill>
+                        <a:schemeClr val="tx1"/>
+                      </a:solidFill>
+                      <a:prstDash val="solid"/>
+                      <a:round/>
+                      <a:headEnd type="none" w="med" len="med"/>
+                      <a:tailEnd type="none" w="med" len="med"/>
+                    </a:lnR>
+                    <a:lnT w="12700" cap="flat" cmpd="sng" algn="ctr">
+                      <a:solidFill>
+                        <a:schemeClr val="tx1"/>
+                      </a:solidFill>
+                      <a:prstDash val="solid"/>
+                      <a:round/>
+                      <a:headEnd type="none" w="med" len="med"/>
+                      <a:tailEnd type="none" w="med" len="med"/>
+                    </a:lnT>
+                    <a:noFill/>
+                  </a:tcPr>
+                </a:tc>
+                <a:tc>
+                  <a:txBody>
+                    <a:bodyPr/>
+                    <a:lstStyle/>
+                    <a:p>
+                      <a:pPr algn="ctr"/>
+                      <a:endParaRPr lang="en-US" sz="1400" b="0" dirty="0"/>
+                    </a:p>
+                  </a:txBody>
+                  <a:tcPr>
+                    <a:lnL w="12700" cap="flat" cmpd="sng" algn="ctr">
+                      <a:solidFill>
+                        <a:schemeClr val="tx1"/>
+                      </a:solidFill>
+                      <a:prstDash val="solid"/>
+                      <a:round/>
+                      <a:headEnd type="none" w="med" len="med"/>
+                      <a:tailEnd type="none" w="med" len="med"/>
+                    </a:lnL>
+                    <a:lnR w="12700" cap="flat" cmpd="sng" algn="ctr">
+                      <a:solidFill>
+                        <a:schemeClr val="tx1"/>
+                      </a:solidFill>
+                      <a:prstDash val="solid"/>
+                      <a:round/>
+                      <a:headEnd type="none" w="med" len="med"/>
+                      <a:tailEnd type="none" w="med" len="med"/>
+                    </a:lnR>
+                    <a:lnT w="12700" cap="flat" cmpd="sng" algn="ctr">
+                      <a:solidFill>
+                        <a:schemeClr val="tx1"/>
+                      </a:solidFill>
+                      <a:prstDash val="solid"/>
+                      <a:round/>
+                      <a:headEnd type="none" w="med" len="med"/>
+                      <a:tailEnd type="none" w="med" len="med"/>
+                    </a:lnT>
+                    <a:noFill/>
+                  </a:tcPr>
+                </a:tc>
+                <a:tc>
+                  <a:txBody>
+                    <a:bodyPr/>
+                    <a:lstStyle/>
+                    <a:p>
+                      <a:pPr algn="ctr"/>
+                      <a:endParaRPr lang="en-US" sz="1400" b="0" dirty="0"/>
+                    </a:p>
+                  </a:txBody>
+                  <a:tcPr>
+                    <a:lnL w="12700" cap="flat" cmpd="sng" algn="ctr">
+                      <a:solidFill>
+                        <a:schemeClr val="tx1"/>
+                      </a:solidFill>
+                      <a:prstDash val="solid"/>
+                      <a:round/>
+                      <a:headEnd type="none" w="med" len="med"/>
+                      <a:tailEnd type="none" w="med" len="med"/>
+                    </a:lnL>
+                    <a:lnR w="12700" cap="flat" cmpd="sng" algn="ctr">
+                      <a:solidFill>
+                        <a:schemeClr val="tx1"/>
+                      </a:solidFill>
+                      <a:prstDash val="solid"/>
+                      <a:round/>
+                      <a:headEnd type="none" w="med" len="med"/>
+                      <a:tailEnd type="none" w="med" len="med"/>
+                    </a:lnR>
+                    <a:lnT w="12700" cap="flat" cmpd="sng" algn="ctr">
+                      <a:solidFill>
+                        <a:schemeClr val="tx1"/>
+                      </a:solidFill>
+                      <a:prstDash val="solid"/>
+                      <a:round/>
+                      <a:headEnd type="none" w="med" len="med"/>
+                      <a:tailEnd type="none" w="med" len="med"/>
+                    </a:lnT>
+                    <a:noFill/>
+                  </a:tcPr>
+                </a:tc>
+                <a:extLst>
+                  <a:ext uri="{0D108BD9-81ED-4DB2-BD59-A6C34878D82A}">
+                    <a16:rowId xmlns:a16="http://schemas.microsoft.com/office/drawing/2014/main" val="2714122021"/>
+                  </a:ext>
+                </a:extLst>
+              </a:tr>
+            </a:tbl>
+          </a:graphicData>
+        </a:graphic>
+      </p:graphicFrame>
+      <p:sp>
+        <p:nvSpPr>
+          <p:cNvPr id="47" name="TextBox 46">
+            <a:extLst>
+              <a:ext uri="{FF2B5EF4-FFF2-40B4-BE49-F238E27FC236}">
+                <a16:creationId xmlns:a16="http://schemas.microsoft.com/office/drawing/2014/main" id="{E255C10D-FCFD-4E86-A954-476D04AD885D}"/>
+              </a:ext>
+            </a:extLst>
+          </p:cNvPr>
+          <p:cNvSpPr txBox="1"/>
+          <p:nvPr/>
+        </p:nvSpPr>
+        <p:spPr>
+          <a:xfrm>
+            <a:off x="2410892" y="6581216"/>
+            <a:ext cx="282450" cy="338554"/>
+          </a:xfrm>
+          <a:prstGeom prst="rect">
+            <a:avLst/>
+          </a:prstGeom>
+          <a:noFill/>
+        </p:spPr>
+        <p:txBody>
+          <a:bodyPr wrap="none" rtlCol="0">
+            <a:spAutoFit/>
+          </a:bodyPr>
+          <a:lstStyle/>
+          <a:p>
+            <a:r>
+              <a:rPr lang="en-US" sz="1600" dirty="0"/>
+              <a:t>a</a:t>
+            </a:r>
+          </a:p>
+        </p:txBody>
+      </p:sp>
+      <p:sp>
+        <p:nvSpPr>
+          <p:cNvPr id="48" name="TextBox 47">
+            <a:extLst>
+              <a:ext uri="{FF2B5EF4-FFF2-40B4-BE49-F238E27FC236}">
+                <a16:creationId xmlns:a16="http://schemas.microsoft.com/office/drawing/2014/main" id="{A90BAFCA-53EA-A68E-5459-B7E863D9F99E}"/>
+              </a:ext>
+            </a:extLst>
+          </p:cNvPr>
+          <p:cNvSpPr txBox="1"/>
+          <p:nvPr/>
+        </p:nvSpPr>
+        <p:spPr>
+          <a:xfrm>
+            <a:off x="2922909" y="6382684"/>
+            <a:ext cx="441146" cy="338554"/>
+          </a:xfrm>
+          <a:prstGeom prst="rect">
+            <a:avLst/>
+          </a:prstGeom>
+          <a:noFill/>
+        </p:spPr>
+        <p:txBody>
+          <a:bodyPr wrap="none" rtlCol="0">
+            <a:spAutoFit/>
+          </a:bodyPr>
+          <a:lstStyle/>
+          <a:p>
+            <a:r>
+              <a:rPr lang="en-US" sz="1600" dirty="0" err="1"/>
+              <a:t>a,b</a:t>
+            </a:r>
+            <a:endParaRPr lang="en-US" sz="1600" dirty="0"/>
+          </a:p>
+        </p:txBody>
+      </p:sp>
+      <p:sp>
+        <p:nvSpPr>
+          <p:cNvPr id="49" name="TextBox 48">
+            <a:extLst>
+              <a:ext uri="{FF2B5EF4-FFF2-40B4-BE49-F238E27FC236}">
+                <a16:creationId xmlns:a16="http://schemas.microsoft.com/office/drawing/2014/main" id="{C688107C-0790-E4A9-5287-3ABE5AF9610A}"/>
+              </a:ext>
+            </a:extLst>
+          </p:cNvPr>
+          <p:cNvSpPr txBox="1"/>
+          <p:nvPr/>
+        </p:nvSpPr>
+        <p:spPr>
+          <a:xfrm>
+            <a:off x="3698666" y="6195088"/>
+            <a:ext cx="292068" cy="338554"/>
+          </a:xfrm>
+          <a:prstGeom prst="rect">
+            <a:avLst/>
+          </a:prstGeom>
+          <a:noFill/>
+        </p:spPr>
+        <p:txBody>
+          <a:bodyPr wrap="none" rtlCol="0">
+            <a:spAutoFit/>
+          </a:bodyPr>
+          <a:lstStyle/>
+          <a:p>
+            <a:r>
+              <a:rPr lang="en-US" sz="1600" dirty="0"/>
+              <a:t>b</a:t>
+            </a:r>
+          </a:p>
+        </p:txBody>
+      </p:sp>
+      <p:sp>
+        <p:nvSpPr>
+          <p:cNvPr id="50" name="TextBox 49">
+            <a:extLst>
+              <a:ext uri="{FF2B5EF4-FFF2-40B4-BE49-F238E27FC236}">
+                <a16:creationId xmlns:a16="http://schemas.microsoft.com/office/drawing/2014/main" id="{4DAB9C24-56C5-4961-73CC-0F5172A8C55C}"/>
+              </a:ext>
+            </a:extLst>
+          </p:cNvPr>
+          <p:cNvSpPr txBox="1"/>
+          <p:nvPr/>
+        </p:nvSpPr>
+        <p:spPr>
+          <a:xfrm>
+            <a:off x="5267027" y="6504387"/>
+            <a:ext cx="282450" cy="338554"/>
+          </a:xfrm>
+          <a:prstGeom prst="rect">
+            <a:avLst/>
+          </a:prstGeom>
+          <a:noFill/>
+        </p:spPr>
+        <p:txBody>
+          <a:bodyPr wrap="none" rtlCol="0">
+            <a:spAutoFit/>
+          </a:bodyPr>
+          <a:lstStyle/>
+          <a:p>
+            <a:r>
+              <a:rPr lang="en-US" sz="1600" dirty="0"/>
+              <a:t>a</a:t>
+            </a:r>
+            <a:endParaRPr lang="en-US" sz="1600" baseline="30000" dirty="0"/>
+          </a:p>
+        </p:txBody>
+      </p:sp>
+      <p:sp>
+        <p:nvSpPr>
+          <p:cNvPr id="51" name="TextBox 50">
+            <a:extLst>
+              <a:ext uri="{FF2B5EF4-FFF2-40B4-BE49-F238E27FC236}">
+                <a16:creationId xmlns:a16="http://schemas.microsoft.com/office/drawing/2014/main" id="{5ADE3B0F-307B-FBBB-9D25-31F66E794DFC}"/>
+              </a:ext>
+            </a:extLst>
+          </p:cNvPr>
+          <p:cNvSpPr txBox="1"/>
+          <p:nvPr/>
+        </p:nvSpPr>
+        <p:spPr>
+          <a:xfrm>
+            <a:off x="5801986" y="6385350"/>
+            <a:ext cx="441146" cy="338554"/>
+          </a:xfrm>
+          <a:prstGeom prst="rect">
+            <a:avLst/>
+          </a:prstGeom>
+          <a:noFill/>
+        </p:spPr>
+        <p:txBody>
+          <a:bodyPr wrap="none" rtlCol="0">
+            <a:spAutoFit/>
+          </a:bodyPr>
+          <a:lstStyle/>
+          <a:p>
+            <a:r>
+              <a:rPr lang="en-US" sz="1600" dirty="0" err="1"/>
+              <a:t>a,b</a:t>
+            </a:r>
+            <a:endParaRPr lang="en-US" sz="1600" dirty="0"/>
+          </a:p>
+        </p:txBody>
+      </p:sp>
+      <p:sp>
+        <p:nvSpPr>
+          <p:cNvPr id="52" name="TextBox 51">
+            <a:extLst>
+              <a:ext uri="{FF2B5EF4-FFF2-40B4-BE49-F238E27FC236}">
+                <a16:creationId xmlns:a16="http://schemas.microsoft.com/office/drawing/2014/main" id="{E704EF28-18CA-990E-0BB7-CB19282A9195}"/>
+              </a:ext>
+            </a:extLst>
+          </p:cNvPr>
+          <p:cNvSpPr txBox="1"/>
+          <p:nvPr/>
+        </p:nvSpPr>
+        <p:spPr>
+          <a:xfrm>
+            <a:off x="6500451" y="6191534"/>
+            <a:ext cx="292068" cy="338554"/>
+          </a:xfrm>
+          <a:prstGeom prst="rect">
+            <a:avLst/>
+          </a:prstGeom>
+          <a:noFill/>
+        </p:spPr>
+        <p:txBody>
+          <a:bodyPr wrap="none" rtlCol="0">
+            <a:spAutoFit/>
+          </a:bodyPr>
+          <a:lstStyle/>
+          <a:p>
+            <a:r>
+              <a:rPr lang="en-US" sz="1600" dirty="0"/>
+              <a:t>b</a:t>
+            </a:r>
+          </a:p>
+        </p:txBody>
+      </p:sp>
+      <p:sp>
+        <p:nvSpPr>
+          <p:cNvPr id="56" name="TextBox 55">
+            <a:extLst>
+              <a:ext uri="{FF2B5EF4-FFF2-40B4-BE49-F238E27FC236}">
+                <a16:creationId xmlns:a16="http://schemas.microsoft.com/office/drawing/2014/main" id="{55730A99-312B-F13A-017E-85F39C26AED3}"/>
+              </a:ext>
+            </a:extLst>
+          </p:cNvPr>
+          <p:cNvSpPr txBox="1"/>
+          <p:nvPr/>
+        </p:nvSpPr>
+        <p:spPr>
+          <a:xfrm>
+            <a:off x="8018393" y="813063"/>
+            <a:ext cx="282450" cy="338554"/>
+          </a:xfrm>
+          <a:prstGeom prst="rect">
+            <a:avLst/>
+          </a:prstGeom>
+          <a:noFill/>
+        </p:spPr>
+        <p:txBody>
+          <a:bodyPr wrap="none" rtlCol="0">
+            <a:spAutoFit/>
+          </a:bodyPr>
+          <a:lstStyle/>
+          <a:p>
+            <a:r>
+              <a:rPr lang="en-US" sz="1600" dirty="0"/>
+              <a:t>a</a:t>
+            </a:r>
+          </a:p>
+        </p:txBody>
+      </p:sp>
+      <p:sp>
+        <p:nvSpPr>
+          <p:cNvPr id="57" name="TextBox 56">
+            <a:extLst>
+              <a:ext uri="{FF2B5EF4-FFF2-40B4-BE49-F238E27FC236}">
+                <a16:creationId xmlns:a16="http://schemas.microsoft.com/office/drawing/2014/main" id="{EF1C98FB-6115-6630-FC00-B392167DFAAC}"/>
+              </a:ext>
+            </a:extLst>
+          </p:cNvPr>
+          <p:cNvSpPr txBox="1"/>
+          <p:nvPr/>
+        </p:nvSpPr>
+        <p:spPr>
+          <a:xfrm>
+            <a:off x="9340843" y="753273"/>
+            <a:ext cx="282450" cy="338554"/>
+          </a:xfrm>
+          <a:prstGeom prst="rect">
+            <a:avLst/>
+          </a:prstGeom>
+          <a:noFill/>
+        </p:spPr>
+        <p:txBody>
+          <a:bodyPr wrap="none" rtlCol="0">
+            <a:spAutoFit/>
+          </a:bodyPr>
+          <a:lstStyle/>
+          <a:p>
+            <a:r>
+              <a:rPr lang="en-US" sz="1600" dirty="0"/>
+              <a:t>a</a:t>
+            </a:r>
+          </a:p>
+        </p:txBody>
+      </p:sp>
+      <p:sp>
+        <p:nvSpPr>
+          <p:cNvPr id="58" name="TextBox 57">
+            <a:extLst>
+              <a:ext uri="{FF2B5EF4-FFF2-40B4-BE49-F238E27FC236}">
+                <a16:creationId xmlns:a16="http://schemas.microsoft.com/office/drawing/2014/main" id="{35F41D8F-4157-493C-8D2B-675D6160EE95}"/>
+              </a:ext>
+            </a:extLst>
+          </p:cNvPr>
+          <p:cNvSpPr txBox="1"/>
+          <p:nvPr/>
+        </p:nvSpPr>
+        <p:spPr>
+          <a:xfrm>
+            <a:off x="8668435" y="1166586"/>
+            <a:ext cx="292068" cy="338554"/>
+          </a:xfrm>
+          <a:prstGeom prst="rect">
+            <a:avLst/>
+          </a:prstGeom>
+          <a:noFill/>
+        </p:spPr>
+        <p:txBody>
+          <a:bodyPr wrap="none" rtlCol="0">
+            <a:spAutoFit/>
+          </a:bodyPr>
+          <a:lstStyle/>
+          <a:p>
+            <a:r>
+              <a:rPr lang="en-US" sz="1600" dirty="0"/>
+              <a:t>b</a:t>
+            </a:r>
+          </a:p>
+        </p:txBody>
+      </p:sp>
+      <p:sp>
+        <p:nvSpPr>
+          <p:cNvPr id="59" name="TextBox 58">
+            <a:extLst>
+              <a:ext uri="{FF2B5EF4-FFF2-40B4-BE49-F238E27FC236}">
+                <a16:creationId xmlns:a16="http://schemas.microsoft.com/office/drawing/2014/main" id="{2C62F226-23F5-8662-A306-6A3793BA56E9}"/>
+              </a:ext>
+            </a:extLst>
+          </p:cNvPr>
+          <p:cNvSpPr txBox="1"/>
+          <p:nvPr/>
+        </p:nvSpPr>
+        <p:spPr>
+          <a:xfrm>
+            <a:off x="5191863" y="1277958"/>
+            <a:ext cx="282450" cy="338554"/>
+          </a:xfrm>
+          <a:prstGeom prst="rect">
+            <a:avLst/>
+          </a:prstGeom>
+          <a:noFill/>
+        </p:spPr>
+        <p:txBody>
+          <a:bodyPr wrap="none" rtlCol="0">
+            <a:spAutoFit/>
+          </a:bodyPr>
+          <a:lstStyle/>
+          <a:p>
+            <a:r>
+              <a:rPr lang="en-US" sz="1600" dirty="0"/>
+              <a:t>a</a:t>
+            </a:r>
+          </a:p>
+        </p:txBody>
+      </p:sp>
+      <p:sp>
+        <p:nvSpPr>
+          <p:cNvPr id="60" name="TextBox 59">
+            <a:extLst>
+              <a:ext uri="{FF2B5EF4-FFF2-40B4-BE49-F238E27FC236}">
+                <a16:creationId xmlns:a16="http://schemas.microsoft.com/office/drawing/2014/main" id="{C48C0CBF-82D7-0FC1-8833-471CCC09FE85}"/>
+              </a:ext>
+            </a:extLst>
+          </p:cNvPr>
+          <p:cNvSpPr txBox="1"/>
+          <p:nvPr/>
+        </p:nvSpPr>
+        <p:spPr>
+          <a:xfrm>
+            <a:off x="6505260" y="1616512"/>
+            <a:ext cx="282450" cy="338554"/>
+          </a:xfrm>
+          <a:prstGeom prst="rect">
+            <a:avLst/>
+          </a:prstGeom>
+          <a:noFill/>
+        </p:spPr>
+        <p:txBody>
+          <a:bodyPr wrap="none" rtlCol="0">
+            <a:spAutoFit/>
+          </a:bodyPr>
+          <a:lstStyle/>
+          <a:p>
+            <a:r>
+              <a:rPr lang="en-US" sz="1600" dirty="0"/>
+              <a:t>a</a:t>
+            </a:r>
+          </a:p>
+        </p:txBody>
+      </p:sp>
+      <p:sp>
+        <p:nvSpPr>
+          <p:cNvPr id="61" name="TextBox 60">
+            <a:extLst>
+              <a:ext uri="{FF2B5EF4-FFF2-40B4-BE49-F238E27FC236}">
+                <a16:creationId xmlns:a16="http://schemas.microsoft.com/office/drawing/2014/main" id="{67E9C6FB-0984-920E-AAD4-256979836E64}"/>
+              </a:ext>
+            </a:extLst>
+          </p:cNvPr>
+          <p:cNvSpPr txBox="1"/>
+          <p:nvPr/>
+        </p:nvSpPr>
+        <p:spPr>
+          <a:xfrm>
+            <a:off x="5848564" y="759174"/>
+            <a:ext cx="292068" cy="338554"/>
+          </a:xfrm>
+          <a:prstGeom prst="rect">
+            <a:avLst/>
+          </a:prstGeom>
+          <a:noFill/>
+        </p:spPr>
+        <p:txBody>
+          <a:bodyPr wrap="none" rtlCol="0">
+            <a:spAutoFit/>
+          </a:bodyPr>
+          <a:lstStyle/>
+          <a:p>
+            <a:r>
+              <a:rPr lang="en-US" sz="1600" dirty="0"/>
+              <a:t>b</a:t>
+            </a:r>
+          </a:p>
+        </p:txBody>
+      </p:sp>
+      <p:sp>
+        <p:nvSpPr>
+          <p:cNvPr id="70" name="TextBox 69">
+            <a:extLst>
+              <a:ext uri="{FF2B5EF4-FFF2-40B4-BE49-F238E27FC236}">
+                <a16:creationId xmlns:a16="http://schemas.microsoft.com/office/drawing/2014/main" id="{BFF87B07-148B-6E41-897F-5725A876891B}"/>
+              </a:ext>
+            </a:extLst>
+          </p:cNvPr>
+          <p:cNvSpPr txBox="1"/>
+          <p:nvPr/>
+        </p:nvSpPr>
+        <p:spPr>
+          <a:xfrm>
+            <a:off x="2318504" y="1680791"/>
+            <a:ext cx="282450" cy="338554"/>
+          </a:xfrm>
+          <a:prstGeom prst="rect">
+            <a:avLst/>
+          </a:prstGeom>
+          <a:noFill/>
+        </p:spPr>
+        <p:txBody>
+          <a:bodyPr wrap="none" rtlCol="0">
+            <a:spAutoFit/>
+          </a:bodyPr>
+          <a:lstStyle/>
+          <a:p>
+            <a:r>
+              <a:rPr lang="en-US" sz="1600" dirty="0"/>
+              <a:t>a</a:t>
+            </a:r>
+          </a:p>
+        </p:txBody>
+      </p:sp>
+      <p:sp>
+        <p:nvSpPr>
+          <p:cNvPr id="71" name="TextBox 70">
+            <a:extLst>
+              <a:ext uri="{FF2B5EF4-FFF2-40B4-BE49-F238E27FC236}">
+                <a16:creationId xmlns:a16="http://schemas.microsoft.com/office/drawing/2014/main" id="{A771F38D-DF56-62CC-F55A-69B3FD62C26F}"/>
+              </a:ext>
+            </a:extLst>
+          </p:cNvPr>
+          <p:cNvSpPr txBox="1"/>
+          <p:nvPr/>
+        </p:nvSpPr>
+        <p:spPr>
+          <a:xfrm>
+            <a:off x="3613795" y="1738688"/>
+            <a:ext cx="282450" cy="338554"/>
+          </a:xfrm>
+          <a:prstGeom prst="rect">
+            <a:avLst/>
+          </a:prstGeom>
+          <a:noFill/>
+        </p:spPr>
+        <p:txBody>
+          <a:bodyPr wrap="none" rtlCol="0">
+            <a:spAutoFit/>
+          </a:bodyPr>
+          <a:lstStyle/>
+          <a:p>
+            <a:r>
+              <a:rPr lang="en-US" sz="1600" dirty="0"/>
+              <a:t>a</a:t>
+            </a:r>
+          </a:p>
+        </p:txBody>
+      </p:sp>
+      <p:sp>
+        <p:nvSpPr>
+          <p:cNvPr id="72" name="TextBox 71">
+            <a:extLst>
+              <a:ext uri="{FF2B5EF4-FFF2-40B4-BE49-F238E27FC236}">
+                <a16:creationId xmlns:a16="http://schemas.microsoft.com/office/drawing/2014/main" id="{93250013-F8F2-9E2D-7CBF-1CA3D9A67DC6}"/>
+              </a:ext>
+            </a:extLst>
+          </p:cNvPr>
+          <p:cNvSpPr txBox="1"/>
+          <p:nvPr/>
+        </p:nvSpPr>
+        <p:spPr>
+          <a:xfrm>
+            <a:off x="2932159" y="1335863"/>
+            <a:ext cx="292068" cy="338554"/>
+          </a:xfrm>
+          <a:prstGeom prst="rect">
+            <a:avLst/>
+          </a:prstGeom>
+          <a:noFill/>
+        </p:spPr>
+        <p:txBody>
+          <a:bodyPr wrap="none" rtlCol="0">
+            <a:spAutoFit/>
+          </a:bodyPr>
+          <a:lstStyle/>
+          <a:p>
+            <a:r>
+              <a:rPr lang="en-US" sz="1600" dirty="0"/>
+              <a:t>b</a:t>
+            </a:r>
+          </a:p>
+        </p:txBody>
+      </p:sp>
+      <p:sp>
+        <p:nvSpPr>
+          <p:cNvPr id="77" name="TextBox 76">
+            <a:extLst>
+              <a:ext uri="{FF2B5EF4-FFF2-40B4-BE49-F238E27FC236}">
+                <a16:creationId xmlns:a16="http://schemas.microsoft.com/office/drawing/2014/main" id="{82D2A697-673A-6A12-4EEE-6CEC5915548A}"/>
+              </a:ext>
+            </a:extLst>
+          </p:cNvPr>
+          <p:cNvSpPr txBox="1"/>
+          <p:nvPr/>
+        </p:nvSpPr>
+        <p:spPr>
+          <a:xfrm>
+            <a:off x="10949500" y="753273"/>
+            <a:ext cx="282450" cy="338554"/>
+          </a:xfrm>
+          <a:prstGeom prst="rect">
+            <a:avLst/>
+          </a:prstGeom>
+          <a:noFill/>
+        </p:spPr>
+        <p:txBody>
+          <a:bodyPr wrap="none" rtlCol="0">
+            <a:spAutoFit/>
+          </a:bodyPr>
+          <a:lstStyle/>
+          <a:p>
+            <a:r>
+              <a:rPr lang="en-US" sz="1600" dirty="0"/>
+              <a:t>a</a:t>
+            </a:r>
+            <a:endParaRPr lang="en-US" sz="1600" baseline="30000" dirty="0"/>
+          </a:p>
+        </p:txBody>
+      </p:sp>
+      <p:sp>
+        <p:nvSpPr>
+          <p:cNvPr id="78" name="TextBox 77">
+            <a:extLst>
+              <a:ext uri="{FF2B5EF4-FFF2-40B4-BE49-F238E27FC236}">
+                <a16:creationId xmlns:a16="http://schemas.microsoft.com/office/drawing/2014/main" id="{E968F7E2-D33C-F9F7-3889-CFDF2FEED52F}"/>
+              </a:ext>
+            </a:extLst>
+          </p:cNvPr>
+          <p:cNvSpPr txBox="1"/>
+          <p:nvPr/>
+        </p:nvSpPr>
+        <p:spPr>
+          <a:xfrm>
+            <a:off x="11580850" y="997309"/>
+            <a:ext cx="282450" cy="338554"/>
+          </a:xfrm>
+          <a:prstGeom prst="rect">
+            <a:avLst/>
+          </a:prstGeom>
+          <a:noFill/>
+        </p:spPr>
+        <p:txBody>
+          <a:bodyPr wrap="none" rtlCol="0">
+            <a:spAutoFit/>
+          </a:bodyPr>
+          <a:lstStyle/>
+          <a:p>
+            <a:r>
+              <a:rPr lang="en-US" sz="1600" dirty="0"/>
+              <a:t>a</a:t>
+            </a:r>
+          </a:p>
+        </p:txBody>
+      </p:sp>
+      <p:sp>
+        <p:nvSpPr>
+          <p:cNvPr id="79" name="TextBox 78">
+            <a:extLst>
+              <a:ext uri="{FF2B5EF4-FFF2-40B4-BE49-F238E27FC236}">
+                <a16:creationId xmlns:a16="http://schemas.microsoft.com/office/drawing/2014/main" id="{61238A9E-0EFE-F4F6-3431-698D35ADAA1A}"/>
+              </a:ext>
+            </a:extLst>
+          </p:cNvPr>
+          <p:cNvSpPr txBox="1"/>
+          <p:nvPr/>
+        </p:nvSpPr>
+        <p:spPr>
+          <a:xfrm>
+            <a:off x="12188864" y="1507292"/>
+            <a:ext cx="292068" cy="342776"/>
+          </a:xfrm>
+          <a:prstGeom prst="rect">
+            <a:avLst/>
+          </a:prstGeom>
+          <a:noFill/>
+        </p:spPr>
+        <p:txBody>
+          <a:bodyPr wrap="square" rtlCol="0">
+            <a:spAutoFit/>
+          </a:bodyPr>
+          <a:lstStyle/>
+          <a:p>
+            <a:r>
+              <a:rPr lang="en-US" sz="1600" dirty="0"/>
+              <a:t>b</a:t>
+            </a:r>
+          </a:p>
+        </p:txBody>
+      </p:sp>
+      <p:sp>
+        <p:nvSpPr>
+          <p:cNvPr id="80" name="TextBox 79">
+            <a:extLst>
+              <a:ext uri="{FF2B5EF4-FFF2-40B4-BE49-F238E27FC236}">
+                <a16:creationId xmlns:a16="http://schemas.microsoft.com/office/drawing/2014/main" id="{2104A481-5130-9D3A-C479-6BDF88A04C64}"/>
+              </a:ext>
+            </a:extLst>
+          </p:cNvPr>
+          <p:cNvSpPr txBox="1"/>
+          <p:nvPr/>
+        </p:nvSpPr>
+        <p:spPr>
+          <a:xfrm>
+            <a:off x="7408018" y="4842869"/>
+            <a:ext cx="2812901" cy="738664"/>
+          </a:xfrm>
+          <a:prstGeom prst="rect">
+            <a:avLst/>
+          </a:prstGeom>
+          <a:noFill/>
+        </p:spPr>
+        <p:txBody>
+          <a:bodyPr wrap="square" numCol="2" rtlCol="0">
+            <a:spAutoFit/>
+          </a:bodyPr>
+          <a:lstStyle/>
+          <a:p>
+            <a:pPr algn="l"/>
+            <a:r>
+              <a:rPr lang="en-US" sz="1400" b="0" i="1" dirty="0"/>
+              <a:t>Necab1</a:t>
+            </a:r>
+            <a:r>
+              <a:rPr lang="en-US" sz="1400" b="0" dirty="0"/>
+              <a:t> (0.94)</a:t>
+            </a:r>
+            <a:endParaRPr lang="en-US" sz="1400" b="0" i="1" dirty="0"/>
+          </a:p>
+          <a:p>
+            <a:pPr algn="l"/>
+            <a:r>
+              <a:rPr lang="en-US" sz="1400" b="0" i="1" dirty="0"/>
+              <a:t>Rims3 </a:t>
+            </a:r>
+            <a:r>
+              <a:rPr lang="en-US" sz="1400" b="0" dirty="0"/>
+              <a:t>(0.92)</a:t>
+            </a:r>
+          </a:p>
+          <a:p>
+            <a:endParaRPr lang="en-US" sz="1400" dirty="0"/>
+          </a:p>
+          <a:p>
+            <a:r>
+              <a:rPr lang="en-US" sz="1400" i="1" dirty="0"/>
+              <a:t>Ne2f1 </a:t>
+            </a:r>
+            <a:r>
+              <a:rPr lang="en-US" sz="1400" dirty="0"/>
+              <a:t>(0.91)</a:t>
+            </a:r>
+          </a:p>
+          <a:p>
+            <a:r>
+              <a:rPr lang="en-US" sz="1400" i="1" dirty="0" err="1"/>
+              <a:t>Cobl</a:t>
+            </a:r>
+            <a:r>
+              <a:rPr lang="en-US" sz="1400" i="1" dirty="0"/>
+              <a:t> </a:t>
+            </a:r>
+            <a:r>
+              <a:rPr lang="en-US" sz="1400" dirty="0"/>
+              <a:t>(0.91)</a:t>
+            </a:r>
+          </a:p>
+        </p:txBody>
+      </p:sp>
+      <p:sp>
+        <p:nvSpPr>
+          <p:cNvPr id="81" name="TextBox 80">
+            <a:extLst>
+              <a:ext uri="{FF2B5EF4-FFF2-40B4-BE49-F238E27FC236}">
+                <a16:creationId xmlns:a16="http://schemas.microsoft.com/office/drawing/2014/main" id="{EA2AFA99-F94B-6A48-C742-00329C2908AD}"/>
+              </a:ext>
+            </a:extLst>
+          </p:cNvPr>
+          <p:cNvSpPr txBox="1"/>
+          <p:nvPr/>
+        </p:nvSpPr>
+        <p:spPr>
+          <a:xfrm>
+            <a:off x="10210489" y="4839341"/>
+            <a:ext cx="2812901" cy="738664"/>
+          </a:xfrm>
+          <a:prstGeom prst="rect">
+            <a:avLst/>
+          </a:prstGeom>
+          <a:noFill/>
+        </p:spPr>
+        <p:txBody>
+          <a:bodyPr wrap="square" numCol="2" rtlCol="0">
+            <a:spAutoFit/>
+          </a:bodyPr>
+          <a:lstStyle/>
+          <a:p>
+            <a:pPr algn="l"/>
+            <a:r>
+              <a:rPr lang="en-US" sz="1400" b="0" dirty="0"/>
+              <a:t>Ppp2ca (0.89)</a:t>
+            </a:r>
+          </a:p>
+          <a:p>
+            <a:endParaRPr lang="en-US" sz="1400" i="1" dirty="0"/>
+          </a:p>
+          <a:p>
+            <a:endParaRPr lang="en-US" sz="1400" i="1" dirty="0"/>
+          </a:p>
+          <a:p>
+            <a:r>
+              <a:rPr lang="en-US" sz="1400" dirty="0"/>
+              <a:t>Atp5j2 (0.88)</a:t>
+            </a:r>
+          </a:p>
+        </p:txBody>
+      </p:sp>
+      <p:sp>
+        <p:nvSpPr>
+          <p:cNvPr id="82" name="TextBox 81">
+            <a:extLst>
+              <a:ext uri="{FF2B5EF4-FFF2-40B4-BE49-F238E27FC236}">
+                <a16:creationId xmlns:a16="http://schemas.microsoft.com/office/drawing/2014/main" id="{C33C35AA-D211-F03B-500D-8FE7615DE95C}"/>
+              </a:ext>
+            </a:extLst>
+          </p:cNvPr>
+          <p:cNvSpPr txBox="1"/>
+          <p:nvPr/>
+        </p:nvSpPr>
+        <p:spPr>
+          <a:xfrm>
+            <a:off x="4578171" y="4837221"/>
+            <a:ext cx="2812901" cy="738664"/>
+          </a:xfrm>
+          <a:prstGeom prst="rect">
+            <a:avLst/>
+          </a:prstGeom>
+          <a:noFill/>
+        </p:spPr>
+        <p:txBody>
+          <a:bodyPr wrap="square" numCol="2" rtlCol="0">
+            <a:spAutoFit/>
+          </a:bodyPr>
+          <a:lstStyle/>
+          <a:p>
+            <a:pPr algn="l"/>
+            <a:r>
+              <a:rPr lang="en-US" sz="1400" i="1" dirty="0"/>
+              <a:t>Adra2a</a:t>
+            </a:r>
+            <a:r>
+              <a:rPr lang="en-US" sz="1400" b="0" dirty="0"/>
+              <a:t> (0.94)</a:t>
+            </a:r>
+          </a:p>
+          <a:p>
+            <a:pPr algn="l"/>
+            <a:r>
+              <a:rPr lang="en-US" sz="1400" b="0" i="1" dirty="0"/>
+              <a:t>Plekha2 </a:t>
+            </a:r>
+            <a:r>
+              <a:rPr lang="en-US" sz="1400" b="0" dirty="0"/>
+              <a:t>(0.93)</a:t>
+            </a:r>
+          </a:p>
+          <a:p>
+            <a:endParaRPr lang="en-US" sz="1400" dirty="0"/>
+          </a:p>
+          <a:p>
+            <a:r>
+              <a:rPr lang="en-US" sz="1400" i="1" dirty="0"/>
+              <a:t>Tafa2</a:t>
+            </a:r>
+            <a:r>
+              <a:rPr lang="en-US" sz="1400" dirty="0"/>
+              <a:t> (0.91)</a:t>
+            </a:r>
+          </a:p>
+          <a:p>
+            <a:r>
+              <a:rPr lang="en-US" sz="1400" i="1" dirty="0"/>
+              <a:t>Ppp1r2</a:t>
+            </a:r>
+            <a:r>
+              <a:rPr lang="en-US" sz="1400" dirty="0"/>
+              <a:t> (0.91)</a:t>
+            </a:r>
+          </a:p>
+        </p:txBody>
+      </p:sp>
+      <p:sp>
+        <p:nvSpPr>
+          <p:cNvPr id="83" name="TextBox 82">
+            <a:extLst>
+              <a:ext uri="{FF2B5EF4-FFF2-40B4-BE49-F238E27FC236}">
+                <a16:creationId xmlns:a16="http://schemas.microsoft.com/office/drawing/2014/main" id="{91A869EC-B7AC-747A-EF8C-EEF8A8F7A4B3}"/>
+              </a:ext>
+            </a:extLst>
+          </p:cNvPr>
+          <p:cNvSpPr txBox="1"/>
+          <p:nvPr/>
+        </p:nvSpPr>
+        <p:spPr>
+          <a:xfrm>
+            <a:off x="1671742" y="4842869"/>
+            <a:ext cx="2812901" cy="738664"/>
+          </a:xfrm>
+          <a:prstGeom prst="rect">
+            <a:avLst/>
+          </a:prstGeom>
+          <a:noFill/>
+        </p:spPr>
+        <p:txBody>
+          <a:bodyPr wrap="square" numCol="2" rtlCol="0">
+            <a:spAutoFit/>
+          </a:bodyPr>
+          <a:lstStyle/>
+          <a:p>
+            <a:pPr algn="l"/>
+            <a:r>
+              <a:rPr lang="en-US" sz="1400" b="0" i="1" dirty="0" err="1"/>
+              <a:t>Gfap</a:t>
+            </a:r>
+            <a:r>
+              <a:rPr lang="en-US" sz="1400" b="0" dirty="0"/>
+              <a:t> (0.96)</a:t>
+            </a:r>
+          </a:p>
+          <a:p>
+            <a:pPr algn="l"/>
+            <a:r>
+              <a:rPr lang="en-US" sz="1400" b="0" i="1" dirty="0" err="1"/>
+              <a:t>Pdpn</a:t>
+            </a:r>
+            <a:r>
+              <a:rPr lang="en-US" sz="1400" b="0" dirty="0"/>
+              <a:t> (0.90)</a:t>
+            </a:r>
+          </a:p>
+          <a:p>
+            <a:endParaRPr lang="en-US" sz="1400" dirty="0"/>
+          </a:p>
+          <a:p>
+            <a:r>
+              <a:rPr lang="en-US" sz="1400" i="1" dirty="0"/>
+              <a:t>Vim</a:t>
+            </a:r>
+            <a:r>
+              <a:rPr lang="en-US" sz="1400" dirty="0"/>
+              <a:t> (0.87)</a:t>
+            </a:r>
+          </a:p>
+          <a:p>
+            <a:r>
+              <a:rPr lang="en-US" sz="1400" i="1" dirty="0"/>
+              <a:t>Mt2</a:t>
+            </a:r>
+            <a:r>
+              <a:rPr lang="en-US" sz="1400" dirty="0"/>
+              <a:t> (0.86)</a:t>
+            </a:r>
+          </a:p>
+        </p:txBody>
+      </p:sp>
+      <p:sp>
+        <p:nvSpPr>
+          <p:cNvPr id="84" name="TextBox 83">
+            <a:extLst>
+              <a:ext uri="{FF2B5EF4-FFF2-40B4-BE49-F238E27FC236}">
+                <a16:creationId xmlns:a16="http://schemas.microsoft.com/office/drawing/2014/main" id="{C64B62B1-92B2-D761-C477-E8B30509B654}"/>
+              </a:ext>
+            </a:extLst>
+          </p:cNvPr>
+          <p:cNvSpPr txBox="1"/>
+          <p:nvPr/>
+        </p:nvSpPr>
+        <p:spPr>
+          <a:xfrm>
+            <a:off x="4457184" y="10082332"/>
+            <a:ext cx="2812901" cy="738664"/>
+          </a:xfrm>
+          <a:prstGeom prst="rect">
+            <a:avLst/>
+          </a:prstGeom>
+          <a:noFill/>
+        </p:spPr>
+        <p:txBody>
+          <a:bodyPr wrap="square" numCol="2" rtlCol="0">
+            <a:spAutoFit/>
+          </a:bodyPr>
+          <a:lstStyle/>
+          <a:p>
+            <a:pPr algn="l"/>
+            <a:r>
+              <a:rPr lang="en-US" sz="1400" i="1" dirty="0"/>
+              <a:t>Gm47951</a:t>
+            </a:r>
+            <a:r>
+              <a:rPr lang="en-US" sz="1400" b="0" dirty="0"/>
+              <a:t> (0.94)</a:t>
+            </a:r>
+          </a:p>
+          <a:p>
+            <a:pPr algn="l"/>
+            <a:r>
+              <a:rPr lang="en-US" sz="1400" b="0" i="1" dirty="0"/>
+              <a:t>Gm47628</a:t>
+            </a:r>
+            <a:r>
+              <a:rPr lang="en-US" sz="1400" b="0" dirty="0"/>
+              <a:t> (0.92)</a:t>
+            </a:r>
+          </a:p>
+          <a:p>
+            <a:endParaRPr lang="en-US" sz="1400" dirty="0"/>
+          </a:p>
+          <a:p>
+            <a:r>
+              <a:rPr lang="en-US" sz="1400" i="1" dirty="0"/>
+              <a:t>Vmn2r60</a:t>
+            </a:r>
+            <a:r>
+              <a:rPr lang="en-US" sz="1400" dirty="0"/>
+              <a:t> (0.91)</a:t>
+            </a:r>
+          </a:p>
+          <a:p>
+            <a:r>
+              <a:rPr lang="en-US" sz="1400" i="1" dirty="0"/>
+              <a:t>Vm1r299</a:t>
+            </a:r>
+            <a:r>
+              <a:rPr lang="en-US" sz="1400" dirty="0"/>
+              <a:t> (0.86)</a:t>
+            </a:r>
+          </a:p>
+        </p:txBody>
+      </p:sp>
+      <p:sp>
+        <p:nvSpPr>
+          <p:cNvPr id="85" name="TextBox 84">
+            <a:extLst>
+              <a:ext uri="{FF2B5EF4-FFF2-40B4-BE49-F238E27FC236}">
+                <a16:creationId xmlns:a16="http://schemas.microsoft.com/office/drawing/2014/main" id="{F3A97C63-458F-1701-2873-A2B1A2E2C5C2}"/>
+              </a:ext>
+            </a:extLst>
+          </p:cNvPr>
+          <p:cNvSpPr txBox="1"/>
+          <p:nvPr/>
+        </p:nvSpPr>
+        <p:spPr>
+          <a:xfrm>
+            <a:off x="1606903" y="10114774"/>
+            <a:ext cx="2812901" cy="738664"/>
+          </a:xfrm>
+          <a:prstGeom prst="rect">
+            <a:avLst/>
+          </a:prstGeom>
+          <a:noFill/>
+        </p:spPr>
+        <p:txBody>
+          <a:bodyPr wrap="square" numCol="2" rtlCol="0">
+            <a:spAutoFit/>
+          </a:bodyPr>
+          <a:lstStyle/>
+          <a:p>
+            <a:pPr algn="l"/>
+            <a:r>
+              <a:rPr lang="en-US" sz="1400" b="0" i="1" dirty="0"/>
+              <a:t>Zntn37</a:t>
+            </a:r>
+            <a:r>
+              <a:rPr lang="en-US" sz="1400" b="0" dirty="0"/>
+              <a:t> (0.87)</a:t>
+            </a:r>
+          </a:p>
+          <a:p>
+            <a:pPr algn="l"/>
+            <a:r>
+              <a:rPr lang="en-US" sz="1400" b="0" i="1" dirty="0"/>
+              <a:t>Zfp953</a:t>
+            </a:r>
+            <a:r>
+              <a:rPr lang="en-US" sz="1400" b="0" dirty="0"/>
+              <a:t> (0.86)</a:t>
+            </a:r>
+          </a:p>
+          <a:p>
+            <a:endParaRPr lang="en-US" sz="1400" dirty="0"/>
+          </a:p>
+          <a:p>
+            <a:r>
+              <a:rPr lang="en-US" sz="1400" i="1" dirty="0"/>
+              <a:t>Runx2</a:t>
+            </a:r>
+            <a:r>
+              <a:rPr lang="en-US" sz="1400" dirty="0"/>
+              <a:t> (0.86)</a:t>
+            </a:r>
+          </a:p>
+          <a:p>
+            <a:r>
+              <a:rPr lang="en-US" sz="1400" i="1" dirty="0"/>
+              <a:t>Aqp7 </a:t>
+            </a:r>
+            <a:r>
+              <a:rPr lang="en-US" sz="1400" dirty="0"/>
+              <a:t>(0.85)</a:t>
+            </a:r>
+          </a:p>
+          <a:p>
+            <a:endParaRPr lang="en-US" sz="1400" dirty="0"/>
+          </a:p>
+        </p:txBody>
+      </p:sp>
+      <p:pic>
+        <p:nvPicPr>
+          <p:cNvPr id="4" name="Picture 3">
+            <a:extLst>
+              <a:ext uri="{FF2B5EF4-FFF2-40B4-BE49-F238E27FC236}">
+                <a16:creationId xmlns:a16="http://schemas.microsoft.com/office/drawing/2014/main" id="{C4E5F312-51D8-B81F-D1CE-B24054912081}"/>
+              </a:ext>
+            </a:extLst>
+          </p:cNvPr>
+          <p:cNvPicPr>
+            <a:picLocks noChangeAspect="1"/>
+          </p:cNvPicPr>
+          <p:nvPr/>
+        </p:nvPicPr>
+        <p:blipFill rotWithShape="1">
+          <a:blip r:embed="rId9"/>
+          <a:srcRect l="49627" t="8233"/>
+          <a:stretch/>
+        </p:blipFill>
+        <p:spPr>
+          <a:xfrm>
+            <a:off x="7338864" y="5853490"/>
+            <a:ext cx="5630180" cy="5128403"/>
+          </a:xfrm>
+          <a:prstGeom prst="rect">
+            <a:avLst/>
+          </a:prstGeom>
+        </p:spPr>
+      </p:pic>
+      <p:sp>
+        <p:nvSpPr>
+          <p:cNvPr id="5" name="TextBox 4">
+            <a:extLst>
+              <a:ext uri="{FF2B5EF4-FFF2-40B4-BE49-F238E27FC236}">
+                <a16:creationId xmlns:a16="http://schemas.microsoft.com/office/drawing/2014/main" id="{F9BEC109-49EE-96D0-2A30-EBE458ACFE34}"/>
+              </a:ext>
+            </a:extLst>
+          </p:cNvPr>
+          <p:cNvSpPr txBox="1"/>
+          <p:nvPr/>
+        </p:nvSpPr>
+        <p:spPr>
+          <a:xfrm>
+            <a:off x="8422463" y="5449852"/>
+            <a:ext cx="4240559" cy="461665"/>
+          </a:xfrm>
+          <a:prstGeom prst="rect">
+            <a:avLst/>
+          </a:prstGeom>
+          <a:solidFill>
+            <a:schemeClr val="bg1">
+              <a:lumMod val="85000"/>
+            </a:schemeClr>
+          </a:solidFill>
+        </p:spPr>
+        <p:txBody>
+          <a:bodyPr wrap="square" rtlCol="0">
+            <a:spAutoFit/>
+          </a:bodyPr>
+          <a:lstStyle/>
+          <a:p>
+            <a:pPr algn="ctr"/>
+            <a:r>
+              <a:rPr lang="en-US" sz="2400" dirty="0"/>
+              <a:t>D) Preservation </a:t>
+            </a:r>
+            <a:r>
+              <a:rPr lang="en-US" sz="2400" dirty="0" err="1"/>
+              <a:t>Zsummary</a:t>
+            </a:r>
+            <a:r>
+              <a:rPr lang="en-US" sz="2400" dirty="0"/>
+              <a:t>  </a:t>
+            </a:r>
+          </a:p>
+        </p:txBody>
+      </p:sp>
+    </p:spTree>
+    <p:extLst>
+      <p:ext uri="{BB962C8B-B14F-4D97-AF65-F5344CB8AC3E}">
+        <p14:creationId xmlns:p14="http://schemas.microsoft.com/office/powerpoint/2010/main" val="810789689"/>
       </p:ext>
     </p:extLst>
   </p:cSld>
